--- a/27. WebService Testing/WebService Testing-SOAP-based.pptx
+++ b/27. WebService Testing/WebService Testing-SOAP-based.pptx
@@ -5,11 +5,11 @@
     <p:sldMasterId id="2147483660" r:id="rId1"/>
   </p:sldMasterIdLst>
   <p:notesMasterIdLst>
-    <p:notesMasterId r:id="rId37"/>
+    <p:notesMasterId r:id="rId36"/>
   </p:notesMasterIdLst>
   <p:sldIdLst>
     <p:sldId id="258" r:id="rId2"/>
-    <p:sldId id="296" r:id="rId3"/>
+    <p:sldId id="295" r:id="rId3"/>
     <p:sldId id="259" r:id="rId4"/>
     <p:sldId id="260" r:id="rId5"/>
     <p:sldId id="264" r:id="rId6"/>
@@ -19,30 +19,29 @@
     <p:sldId id="266" r:id="rId10"/>
     <p:sldId id="290" r:id="rId11"/>
     <p:sldId id="291" r:id="rId12"/>
-    <p:sldId id="265" r:id="rId13"/>
-    <p:sldId id="261" r:id="rId14"/>
-    <p:sldId id="268" r:id="rId15"/>
-    <p:sldId id="269" r:id="rId16"/>
-    <p:sldId id="270" r:id="rId17"/>
-    <p:sldId id="271" r:id="rId18"/>
-    <p:sldId id="272" r:id="rId19"/>
-    <p:sldId id="273" r:id="rId20"/>
-    <p:sldId id="274" r:id="rId21"/>
-    <p:sldId id="275" r:id="rId22"/>
-    <p:sldId id="276" r:id="rId23"/>
-    <p:sldId id="277" r:id="rId24"/>
-    <p:sldId id="278" r:id="rId25"/>
-    <p:sldId id="279" r:id="rId26"/>
-    <p:sldId id="280" r:id="rId27"/>
-    <p:sldId id="281" r:id="rId28"/>
-    <p:sldId id="282" r:id="rId29"/>
-    <p:sldId id="283" r:id="rId30"/>
-    <p:sldId id="285" r:id="rId31"/>
-    <p:sldId id="286" r:id="rId32"/>
-    <p:sldId id="287" r:id="rId33"/>
-    <p:sldId id="288" r:id="rId34"/>
-    <p:sldId id="289" r:id="rId35"/>
-    <p:sldId id="294" r:id="rId36"/>
+    <p:sldId id="268" r:id="rId13"/>
+    <p:sldId id="269" r:id="rId14"/>
+    <p:sldId id="270" r:id="rId15"/>
+    <p:sldId id="271" r:id="rId16"/>
+    <p:sldId id="261" r:id="rId17"/>
+    <p:sldId id="272" r:id="rId18"/>
+    <p:sldId id="273" r:id="rId19"/>
+    <p:sldId id="274" r:id="rId20"/>
+    <p:sldId id="275" r:id="rId21"/>
+    <p:sldId id="276" r:id="rId22"/>
+    <p:sldId id="277" r:id="rId23"/>
+    <p:sldId id="278" r:id="rId24"/>
+    <p:sldId id="279" r:id="rId25"/>
+    <p:sldId id="280" r:id="rId26"/>
+    <p:sldId id="281" r:id="rId27"/>
+    <p:sldId id="282" r:id="rId28"/>
+    <p:sldId id="283" r:id="rId29"/>
+    <p:sldId id="285" r:id="rId30"/>
+    <p:sldId id="286" r:id="rId31"/>
+    <p:sldId id="287" r:id="rId32"/>
+    <p:sldId id="288" r:id="rId33"/>
+    <p:sldId id="289" r:id="rId34"/>
+    <p:sldId id="294" r:id="rId35"/>
   </p:sldIdLst>
   <p:sldSz cx="9144000" cy="6858000" type="screen4x3"/>
   <p:notesSz cx="6858000" cy="9144000"/>
@@ -849,7 +848,7 @@
             <a:fld id="{6FB4F6EA-423E-42DF-9292-215E7D886C4E}" type="slidenum">
               <a:rPr lang="en-US" smtClean="0"/>
               <a:pPr/>
-              <a:t>16</a:t>
+              <a:t>14</a:t>
             </a:fld>
             <a:endParaRPr lang="en-US" dirty="0"/>
           </a:p>
@@ -940,7 +939,7 @@
             <a:fld id="{6FB4F6EA-423E-42DF-9292-215E7D886C4E}" type="slidenum">
               <a:rPr lang="en-US" smtClean="0"/>
               <a:pPr/>
-              <a:t>18</a:t>
+              <a:t>17</a:t>
             </a:fld>
             <a:endParaRPr lang="en-US" dirty="0"/>
           </a:p>
@@ -1025,7 +1024,7 @@
             <a:fld id="{6FB4F6EA-423E-42DF-9292-215E7D886C4E}" type="slidenum">
               <a:rPr lang="en-US" smtClean="0"/>
               <a:pPr/>
-              <a:t>21</a:t>
+              <a:t>20</a:t>
             </a:fld>
             <a:endParaRPr lang="en-US" dirty="0"/>
           </a:p>
@@ -1110,7 +1109,7 @@
             <a:fld id="{6FB4F6EA-423E-42DF-9292-215E7D886C4E}" type="slidenum">
               <a:rPr lang="en-US" smtClean="0"/>
               <a:pPr/>
-              <a:t>22</a:t>
+              <a:t>21</a:t>
             </a:fld>
             <a:endParaRPr lang="en-US" dirty="0"/>
           </a:p>
@@ -1209,7 +1208,7 @@
             <a:fld id="{6FB4F6EA-423E-42DF-9292-215E7D886C4E}" type="slidenum">
               <a:rPr lang="en-US" smtClean="0"/>
               <a:pPr/>
-              <a:t>29</a:t>
+              <a:t>28</a:t>
             </a:fld>
             <a:endParaRPr lang="en-US" dirty="0"/>
           </a:p>
@@ -8122,8 +8121,20 @@
           <a:lstStyle/>
           <a:p>
             <a:r>
+              <a:rPr lang="en-US" dirty="0"/>
+              <a:t>The </a:t>
+            </a:r>
+            <a:r>
               <a:rPr lang="en-US" dirty="0" smtClean="0"/>
-              <a:t>Web Services</a:t>
+              <a:t>Base </a:t>
+            </a:r>
+            <a:r>
+              <a:rPr lang="en-US" dirty="0"/>
+              <a:t>of </a:t>
+            </a:r>
+            <a:r>
+              <a:rPr lang="en-US" dirty="0" smtClean="0"/>
+              <a:t>WS</a:t>
             </a:r>
             <a:endParaRPr lang="en-US" dirty="0"/>
           </a:p>
@@ -8146,97 +8157,114 @@
           <a:p>
             <a:r>
               <a:rPr lang="en-US" dirty="0"/>
-              <a:t>Web services take Web applications to the next </a:t>
+              <a:t>The basic </a:t>
             </a:r>
             <a:r>
               <a:rPr lang="en-US" dirty="0" smtClean="0"/>
-              <a:t>level</a:t>
+              <a:t>Web </a:t>
+            </a:r>
+            <a:r>
+              <a:rPr lang="en-US" dirty="0"/>
+              <a:t>services platform is XML + </a:t>
+            </a:r>
+            <a:r>
+              <a:rPr lang="en-US" dirty="0" smtClean="0"/>
+              <a:t>HTTP</a:t>
             </a:r>
             <a:endParaRPr lang="en-US" dirty="0"/>
           </a:p>
           <a:p>
             <a:pPr lvl="1"/>
             <a:r>
-              <a:rPr lang="en-US" dirty="0"/>
-              <a:t>Using Web services your application can publish its function or message to the rest of the </a:t>
-            </a:r>
-            <a:r>
-              <a:rPr lang="en-US" dirty="0" smtClean="0"/>
-              <a:t>world</a:t>
-            </a:r>
-            <a:endParaRPr lang="en-US" dirty="0"/>
-          </a:p>
-          <a:p>
-            <a:r>
-              <a:rPr lang="en-US" dirty="0" smtClean="0"/>
-              <a:t>Soap Web </a:t>
-            </a:r>
-            <a:r>
-              <a:rPr lang="en-US" dirty="0"/>
-              <a:t>services </a:t>
-            </a:r>
-            <a:r>
-              <a:rPr lang="en-US" dirty="0" smtClean="0"/>
-              <a:t>use:</a:t>
-            </a:r>
-          </a:p>
-          <a:p>
-            <a:pPr lvl="1"/>
-            <a:r>
               <a:rPr lang="en-US" dirty="0" smtClean="0">
                 <a:solidFill>
-                  <a:schemeClr val="accent5">
+                  <a:schemeClr val="accent6">
                     <a:lumMod val="20000"/>
                     <a:lumOff val="80000"/>
                   </a:schemeClr>
                 </a:solidFill>
               </a:rPr>
-              <a:t>XML</a:t>
+              <a:t>HTTP</a:t>
+            </a:r>
+            <a:r>
+              <a:rPr lang="en-US" dirty="0" smtClean="0"/>
+              <a:t> </a:t>
             </a:r>
           </a:p>
           <a:p>
             <a:pPr lvl="2"/>
             <a:r>
+              <a:rPr lang="en-US" dirty="0" smtClean="0"/>
+              <a:t>The </a:t>
+            </a:r>
+            <a:r>
               <a:rPr lang="en-US" dirty="0"/>
-              <a:t>T</a:t>
+              <a:t>most used Internet </a:t>
             </a:r>
             <a:r>
               <a:rPr lang="en-US" dirty="0" smtClean="0"/>
-              <a:t>o </a:t>
-            </a:r>
-            <a:r>
-              <a:rPr lang="en-US" dirty="0"/>
-              <a:t>code and decode your data and </a:t>
-            </a:r>
-            <a:endParaRPr lang="en-US" dirty="0" smtClean="0"/>
+              <a:t>protocol</a:t>
+            </a:r>
+            <a:endParaRPr lang="en-US" dirty="0"/>
           </a:p>
           <a:p>
             <a:pPr lvl="1"/>
             <a:r>
-              <a:rPr lang="en-US" dirty="0" smtClean="0">
-                <a:solidFill>
-                  <a:schemeClr val="accent5">
+              <a:rPr lang="en-US" dirty="0">
+                <a:solidFill>
+                  <a:schemeClr val="accent6">
                     <a:lumMod val="20000"/>
                     <a:lumOff val="80000"/>
                   </a:schemeClr>
                 </a:solidFill>
               </a:rPr>
-              <a:t>SOAP </a:t>
-            </a:r>
+              <a:t>XML </a:t>
+            </a:r>
+            <a:endParaRPr lang="en-US" dirty="0" smtClean="0">
+              <a:solidFill>
+                <a:schemeClr val="accent6">
+                  <a:lumMod val="20000"/>
+                  <a:lumOff val="80000"/>
+                </a:schemeClr>
+              </a:solidFill>
+            </a:endParaRPr>
           </a:p>
           <a:p>
             <a:pPr lvl="2"/>
             <a:r>
+              <a:rPr lang="en-US" dirty="0"/>
+              <a:t>P</a:t>
+            </a:r>
+            <a:r>
               <a:rPr lang="en-US" dirty="0" smtClean="0"/>
-              <a:t>To transport  </a:t>
+              <a:t>rovides </a:t>
             </a:r>
             <a:r>
               <a:rPr lang="en-US" dirty="0"/>
-              <a:t>it using open </a:t>
+              <a:t>a language which can be used between different platforms and programming </a:t>
             </a:r>
             <a:r>
               <a:rPr lang="en-US" dirty="0" smtClean="0"/>
-              <a:t>protocols</a:t>
+              <a:t>languages</a:t>
+            </a:r>
+          </a:p>
+          <a:p>
+            <a:pPr lvl="2"/>
+            <a:r>
+              <a:rPr lang="en-US" dirty="0"/>
+              <a:t>S</a:t>
+            </a:r>
+            <a:r>
+              <a:rPr lang="en-US" dirty="0" smtClean="0"/>
+              <a:t>till expresses </a:t>
+            </a:r>
+            <a:r>
+              <a:rPr lang="en-US" dirty="0"/>
+              <a:t>complex messages and </a:t>
+            </a:r>
+            <a:r>
+              <a:rPr lang="en-US" dirty="0" smtClean="0"/>
+              <a:t>functions</a:t>
             </a:r>
             <a:endParaRPr lang="en-US" dirty="0"/>
           </a:p>
@@ -8274,7 +8302,7 @@
     </p:spTree>
     <p:extLst>
       <p:ext uri="{BB962C8B-B14F-4D97-AF65-F5344CB8AC3E}">
-        <p14:creationId xmlns:p14="http://schemas.microsoft.com/office/powerpoint/2010/main" val="2442420067"/>
+        <p14:creationId xmlns:p14="http://schemas.microsoft.com/office/powerpoint/2010/main" val="2922848824"/>
       </p:ext>
     </p:extLst>
   </p:cSld>
@@ -8318,14 +8346,126 @@
             <p:ph type="title"/>
           </p:nvPr>
         </p:nvSpPr>
-        <p:spPr/>
+        <p:spPr>
+          <a:xfrm>
+            <a:off x="1828800" y="228600"/>
+            <a:ext cx="7086600" cy="914400"/>
+          </a:xfrm>
+        </p:spPr>
         <p:txBody>
           <a:bodyPr/>
           <a:lstStyle/>
           <a:p>
             <a:r>
+              <a:rPr lang="en-US" dirty="0"/>
+              <a:t>Web </a:t>
+            </a:r>
+            <a:r>
               <a:rPr lang="en-US" dirty="0" smtClean="0"/>
-              <a:t>Web Service Architecture</a:t>
+              <a:t>Services Platform </a:t>
+            </a:r>
+            <a:r>
+              <a:rPr lang="en-US" dirty="0"/>
+              <a:t>E</a:t>
+            </a:r>
+            <a:r>
+              <a:rPr lang="en-US" dirty="0" smtClean="0"/>
+              <a:t>lements</a:t>
+            </a:r>
+            <a:endParaRPr lang="en-US" dirty="0"/>
+          </a:p>
+        </p:txBody>
+      </p:sp>
+      <p:sp>
+        <p:nvSpPr>
+          <p:cNvPr id="3" name="Content Placeholder 2"/>
+          <p:cNvSpPr>
+            <a:spLocks noGrp="1"/>
+          </p:cNvSpPr>
+          <p:nvPr>
+            <p:ph idx="1"/>
+          </p:nvPr>
+        </p:nvSpPr>
+        <p:spPr>
+          <a:xfrm>
+            <a:off x="228600" y="1219200"/>
+            <a:ext cx="8686800" cy="5410200"/>
+          </a:xfrm>
+        </p:spPr>
+        <p:txBody>
+          <a:bodyPr/>
+          <a:lstStyle/>
+          <a:p>
+            <a:r>
+              <a:rPr lang="en-US" dirty="0">
+                <a:solidFill>
+                  <a:schemeClr val="accent5">
+                    <a:lumMod val="20000"/>
+                    <a:lumOff val="80000"/>
+                  </a:schemeClr>
+                </a:solidFill>
+              </a:rPr>
+              <a:t>SOAP </a:t>
+            </a:r>
+            <a:endParaRPr lang="en-US" dirty="0" smtClean="0">
+              <a:solidFill>
+                <a:schemeClr val="accent5">
+                  <a:lumMod val="20000"/>
+                  <a:lumOff val="80000"/>
+                </a:schemeClr>
+              </a:solidFill>
+            </a:endParaRPr>
+          </a:p>
+          <a:p>
+            <a:pPr lvl="1"/>
+            <a:r>
+              <a:rPr lang="en-US" dirty="0" smtClean="0"/>
+              <a:t>Simple </a:t>
+            </a:r>
+            <a:r>
+              <a:rPr lang="en-US" dirty="0"/>
+              <a:t>Object Access </a:t>
+            </a:r>
+            <a:r>
+              <a:rPr lang="en-US" dirty="0" smtClean="0"/>
+              <a:t>Protocol</a:t>
+            </a:r>
+            <a:endParaRPr lang="en-US" dirty="0"/>
+          </a:p>
+          <a:p>
+            <a:r>
+              <a:rPr lang="en-US" dirty="0">
+                <a:solidFill>
+                  <a:schemeClr val="accent5">
+                    <a:lumMod val="20000"/>
+                    <a:lumOff val="80000"/>
+                  </a:schemeClr>
+                </a:solidFill>
+              </a:rPr>
+              <a:t>WSDL </a:t>
+            </a:r>
+            <a:endParaRPr lang="en-US" dirty="0" smtClean="0">
+              <a:solidFill>
+                <a:schemeClr val="accent5">
+                  <a:lumMod val="20000"/>
+                  <a:lumOff val="80000"/>
+                </a:schemeClr>
+              </a:solidFill>
+            </a:endParaRPr>
+          </a:p>
+          <a:p>
+            <a:pPr lvl="1"/>
+            <a:r>
+              <a:rPr lang="en-US" dirty="0" smtClean="0"/>
+              <a:t>Web </a:t>
+            </a:r>
+            <a:r>
+              <a:rPr lang="en-US" dirty="0"/>
+              <a:t>Services Description </a:t>
+            </a:r>
+            <a:r>
+              <a:rPr lang="en-US" dirty="0" smtClean="0"/>
+              <a:t>Language</a:t>
             </a:r>
             <a:endParaRPr lang="en-US" dirty="0"/>
           </a:p>
@@ -8355,494 +8495,6 @@
                 <a:defRPr/>
               </a:pPr>
               <a:t>13</a:t>
-            </a:fld>
-            <a:endParaRPr lang="en-US" dirty="0"/>
-          </a:p>
-        </p:txBody>
-      </p:sp>
-      <p:pic>
-        <p:nvPicPr>
-          <p:cNvPr id="5" name="Picture 2" descr="1"/>
-          <p:cNvPicPr>
-            <a:picLocks noChangeAspect="1" noChangeArrowheads="1"/>
-          </p:cNvPicPr>
-          <p:nvPr/>
-        </p:nvPicPr>
-        <p:blipFill>
-          <a:blip r:embed="rId2">
-            <a:extLst>
-              <a:ext uri="{28A0092B-C50C-407E-A947-70E740481C1C}">
-                <a14:useLocalDpi xmlns:a14="http://schemas.microsoft.com/office/drawing/2010/main" val="0"/>
-              </a:ext>
-            </a:extLst>
-          </a:blip>
-          <a:srcRect/>
-          <a:stretch>
-            <a:fillRect/>
-          </a:stretch>
-        </p:blipFill>
-        <p:spPr bwMode="auto">
-          <a:xfrm>
-            <a:off x="2046195" y="2035628"/>
-            <a:ext cx="5051611" cy="3733800"/>
-          </a:xfrm>
-          <a:prstGeom prst="roundRect">
-            <a:avLst/>
-          </a:prstGeom>
-          <a:noFill/>
-          <a:ln>
-            <a:noFill/>
-          </a:ln>
-          <a:effectLst>
-            <a:glow rad="101600">
-              <a:schemeClr val="tx1">
-                <a:alpha val="60000"/>
-              </a:schemeClr>
-            </a:glow>
-          </a:effectLst>
-          <a:extLst>
-            <a:ext uri="{909E8E84-426E-40DD-AFC4-6F175D3DCCD1}">
-              <a14:hiddenFill xmlns:a14="http://schemas.microsoft.com/office/drawing/2010/main">
-                <a:solidFill>
-                  <a:srgbClr val="FFFFFF"/>
-                </a:solidFill>
-              </a14:hiddenFill>
-            </a:ext>
-            <a:ext uri="{91240B29-F687-4F45-9708-019B960494DF}">
-              <a14:hiddenLine xmlns:a14="http://schemas.microsoft.com/office/drawing/2010/main" w="9525">
-                <a:solidFill>
-                  <a:srgbClr val="000000"/>
-                </a:solidFill>
-                <a:miter lim="800000"/>
-                <a:headEnd/>
-                <a:tailEnd/>
-              </a14:hiddenLine>
-            </a:ext>
-          </a:extLst>
-        </p:spPr>
-      </p:pic>
-    </p:spTree>
-    <p:extLst>
-      <p:ext uri="{BB962C8B-B14F-4D97-AF65-F5344CB8AC3E}">
-        <p14:creationId xmlns:p14="http://schemas.microsoft.com/office/powerpoint/2010/main" val="2647155201"/>
-      </p:ext>
-    </p:extLst>
-  </p:cSld>
-  <p:clrMapOvr>
-    <a:masterClrMapping/>
-  </p:clrMapOvr>
-  <p:timing>
-    <p:tnLst>
-      <p:par>
-        <p:cTn id="1" dur="indefinite" restart="never" nodeType="tmRoot"/>
-      </p:par>
-    </p:tnLst>
-  </p:timing>
-</p:sld>
-</file>
-
-<file path=ppt/slides/slide14.xml><?xml version="1.0" encoding="utf-8"?>
-<p:sld xmlns:a="http://schemas.openxmlformats.org/drawingml/2006/main" xmlns:r="http://schemas.openxmlformats.org/officeDocument/2006/relationships" xmlns:p="http://schemas.openxmlformats.org/presentationml/2006/main">
-  <p:cSld>
-    <p:spTree>
-      <p:nvGrpSpPr>
-        <p:cNvPr id="1" name=""/>
-        <p:cNvGrpSpPr/>
-        <p:nvPr/>
-      </p:nvGrpSpPr>
-      <p:grpSpPr>
-        <a:xfrm>
-          <a:off x="0" y="0"/>
-          <a:ext cx="0" cy="0"/>
-          <a:chOff x="0" y="0"/>
-          <a:chExt cx="0" cy="0"/>
-        </a:xfrm>
-      </p:grpSpPr>
-      <p:sp>
-        <p:nvSpPr>
-          <p:cNvPr id="2" name="Title 1"/>
-          <p:cNvSpPr>
-            <a:spLocks noGrp="1"/>
-          </p:cNvSpPr>
-          <p:nvPr>
-            <p:ph type="title"/>
-          </p:nvPr>
-        </p:nvSpPr>
-        <p:spPr/>
-        <p:txBody>
-          <a:bodyPr/>
-          <a:lstStyle/>
-          <a:p>
-            <a:r>
-              <a:rPr lang="en-US" dirty="0"/>
-              <a:t>The </a:t>
-            </a:r>
-            <a:r>
-              <a:rPr lang="en-US" dirty="0" smtClean="0"/>
-              <a:t>Base </a:t>
-            </a:r>
-            <a:r>
-              <a:rPr lang="en-US" dirty="0"/>
-              <a:t>of WS</a:t>
-            </a:r>
-          </a:p>
-        </p:txBody>
-      </p:sp>
-      <p:sp>
-        <p:nvSpPr>
-          <p:cNvPr id="3" name="Content Placeholder 2"/>
-          <p:cNvSpPr>
-            <a:spLocks noGrp="1"/>
-          </p:cNvSpPr>
-          <p:nvPr>
-            <p:ph idx="1"/>
-          </p:nvPr>
-        </p:nvSpPr>
-        <p:spPr/>
-        <p:txBody>
-          <a:bodyPr/>
-          <a:lstStyle/>
-          <a:p>
-            <a:r>
-              <a:rPr lang="en-US" dirty="0"/>
-              <a:t>The basic </a:t>
-            </a:r>
-            <a:r>
-              <a:rPr lang="en-US" dirty="0" smtClean="0"/>
-              <a:t>Web </a:t>
-            </a:r>
-            <a:r>
-              <a:rPr lang="en-US" dirty="0"/>
-              <a:t>services platform is XML + </a:t>
-            </a:r>
-            <a:r>
-              <a:rPr lang="en-US" dirty="0" smtClean="0"/>
-              <a:t>HTTP</a:t>
-            </a:r>
-            <a:endParaRPr lang="en-US" dirty="0"/>
-          </a:p>
-          <a:p>
-            <a:pPr lvl="1"/>
-            <a:r>
-              <a:rPr lang="en-US" dirty="0" smtClean="0">
-                <a:solidFill>
-                  <a:schemeClr val="accent6">
-                    <a:lumMod val="20000"/>
-                    <a:lumOff val="80000"/>
-                  </a:schemeClr>
-                </a:solidFill>
-              </a:rPr>
-              <a:t>HTTP</a:t>
-            </a:r>
-            <a:r>
-              <a:rPr lang="en-US" dirty="0" smtClean="0"/>
-              <a:t> </a:t>
-            </a:r>
-          </a:p>
-          <a:p>
-            <a:pPr lvl="2"/>
-            <a:r>
-              <a:rPr lang="en-US" dirty="0" smtClean="0"/>
-              <a:t>The </a:t>
-            </a:r>
-            <a:r>
-              <a:rPr lang="en-US" dirty="0"/>
-              <a:t>most used Internet </a:t>
-            </a:r>
-            <a:r>
-              <a:rPr lang="en-US" dirty="0" smtClean="0"/>
-              <a:t>protocol</a:t>
-            </a:r>
-            <a:endParaRPr lang="en-US" dirty="0"/>
-          </a:p>
-          <a:p>
-            <a:pPr lvl="1"/>
-            <a:r>
-              <a:rPr lang="en-US" dirty="0">
-                <a:solidFill>
-                  <a:schemeClr val="accent6">
-                    <a:lumMod val="20000"/>
-                    <a:lumOff val="80000"/>
-                  </a:schemeClr>
-                </a:solidFill>
-              </a:rPr>
-              <a:t>XML </a:t>
-            </a:r>
-            <a:endParaRPr lang="en-US" dirty="0" smtClean="0">
-              <a:solidFill>
-                <a:schemeClr val="accent6">
-                  <a:lumMod val="20000"/>
-                  <a:lumOff val="80000"/>
-                </a:schemeClr>
-              </a:solidFill>
-            </a:endParaRPr>
-          </a:p>
-          <a:p>
-            <a:pPr lvl="2"/>
-            <a:r>
-              <a:rPr lang="en-US" dirty="0"/>
-              <a:t>P</a:t>
-            </a:r>
-            <a:r>
-              <a:rPr lang="en-US" dirty="0" smtClean="0"/>
-              <a:t>rovides </a:t>
-            </a:r>
-            <a:r>
-              <a:rPr lang="en-US" dirty="0"/>
-              <a:t>a language which can be used between different platforms and programming </a:t>
-            </a:r>
-            <a:r>
-              <a:rPr lang="en-US" dirty="0" smtClean="0"/>
-              <a:t>languages</a:t>
-            </a:r>
-          </a:p>
-          <a:p>
-            <a:pPr lvl="2"/>
-            <a:r>
-              <a:rPr lang="en-US" dirty="0"/>
-              <a:t>S</a:t>
-            </a:r>
-            <a:r>
-              <a:rPr lang="en-US" dirty="0" smtClean="0"/>
-              <a:t>till expresses </a:t>
-            </a:r>
-            <a:r>
-              <a:rPr lang="en-US" dirty="0"/>
-              <a:t>complex messages and </a:t>
-            </a:r>
-            <a:r>
-              <a:rPr lang="en-US" dirty="0" smtClean="0"/>
-              <a:t>functions</a:t>
-            </a:r>
-            <a:endParaRPr lang="en-US" dirty="0"/>
-          </a:p>
-        </p:txBody>
-      </p:sp>
-      <p:sp>
-        <p:nvSpPr>
-          <p:cNvPr id="4" name="Slide Number Placeholder 3"/>
-          <p:cNvSpPr>
-            <a:spLocks noGrp="1"/>
-          </p:cNvSpPr>
-          <p:nvPr>
-            <p:ph type="sldNum" sz="quarter" idx="10"/>
-          </p:nvPr>
-        </p:nvSpPr>
-        <p:spPr/>
-        <p:txBody>
-          <a:bodyPr/>
-          <a:lstStyle/>
-          <a:p>
-            <a:pPr>
-              <a:defRPr/>
-            </a:pPr>
-            <a:fld id="{58452FF4-89E3-4D1B-9927-2DBDC00E58D7}" type="slidenum">
-              <a:rPr lang="en-US" smtClean="0"/>
-              <a:pPr>
-                <a:defRPr/>
-              </a:pPr>
-              <a:t>14</a:t>
-            </a:fld>
-            <a:endParaRPr lang="en-US" dirty="0"/>
-          </a:p>
-        </p:txBody>
-      </p:sp>
-    </p:spTree>
-    <p:extLst>
-      <p:ext uri="{BB962C8B-B14F-4D97-AF65-F5344CB8AC3E}">
-        <p14:creationId xmlns:p14="http://schemas.microsoft.com/office/powerpoint/2010/main" val="2922848824"/>
-      </p:ext>
-    </p:extLst>
-  </p:cSld>
-  <p:clrMapOvr>
-    <a:masterClrMapping/>
-  </p:clrMapOvr>
-  <p:timing>
-    <p:tnLst>
-      <p:par>
-        <p:cTn id="1" dur="indefinite" restart="never" nodeType="tmRoot"/>
-      </p:par>
-    </p:tnLst>
-  </p:timing>
-</p:sld>
-</file>
-
-<file path=ppt/slides/slide15.xml><?xml version="1.0" encoding="utf-8"?>
-<p:sld xmlns:a="http://schemas.openxmlformats.org/drawingml/2006/main" xmlns:r="http://schemas.openxmlformats.org/officeDocument/2006/relationships" xmlns:p="http://schemas.openxmlformats.org/presentationml/2006/main">
-  <p:cSld>
-    <p:spTree>
-      <p:nvGrpSpPr>
-        <p:cNvPr id="1" name=""/>
-        <p:cNvGrpSpPr/>
-        <p:nvPr/>
-      </p:nvGrpSpPr>
-      <p:grpSpPr>
-        <a:xfrm>
-          <a:off x="0" y="0"/>
-          <a:ext cx="0" cy="0"/>
-          <a:chOff x="0" y="0"/>
-          <a:chExt cx="0" cy="0"/>
-        </a:xfrm>
-      </p:grpSpPr>
-      <p:sp>
-        <p:nvSpPr>
-          <p:cNvPr id="2" name="Title 1"/>
-          <p:cNvSpPr>
-            <a:spLocks noGrp="1"/>
-          </p:cNvSpPr>
-          <p:nvPr>
-            <p:ph type="title"/>
-          </p:nvPr>
-        </p:nvSpPr>
-        <p:spPr>
-          <a:xfrm>
-            <a:off x="1828800" y="228600"/>
-            <a:ext cx="7086600" cy="914400"/>
-          </a:xfrm>
-        </p:spPr>
-        <p:txBody>
-          <a:bodyPr/>
-          <a:lstStyle/>
-          <a:p>
-            <a:r>
-              <a:rPr lang="en-US" dirty="0"/>
-              <a:t>Web </a:t>
-            </a:r>
-            <a:r>
-              <a:rPr lang="en-US" dirty="0" smtClean="0"/>
-              <a:t>Services Platform </a:t>
-            </a:r>
-            <a:r>
-              <a:rPr lang="en-US" dirty="0"/>
-              <a:t>E</a:t>
-            </a:r>
-            <a:r>
-              <a:rPr lang="en-US" dirty="0" smtClean="0"/>
-              <a:t>lements</a:t>
-            </a:r>
-            <a:endParaRPr lang="en-US" dirty="0"/>
-          </a:p>
-        </p:txBody>
-      </p:sp>
-      <p:sp>
-        <p:nvSpPr>
-          <p:cNvPr id="3" name="Content Placeholder 2"/>
-          <p:cNvSpPr>
-            <a:spLocks noGrp="1"/>
-          </p:cNvSpPr>
-          <p:nvPr>
-            <p:ph idx="1"/>
-          </p:nvPr>
-        </p:nvSpPr>
-        <p:spPr>
-          <a:xfrm>
-            <a:off x="228600" y="1219200"/>
-            <a:ext cx="8686800" cy="5410200"/>
-          </a:xfrm>
-        </p:spPr>
-        <p:txBody>
-          <a:bodyPr/>
-          <a:lstStyle/>
-          <a:p>
-            <a:r>
-              <a:rPr lang="en-US" dirty="0">
-                <a:solidFill>
-                  <a:schemeClr val="accent5">
-                    <a:lumMod val="20000"/>
-                    <a:lumOff val="80000"/>
-                  </a:schemeClr>
-                </a:solidFill>
-              </a:rPr>
-              <a:t>SOAP </a:t>
-            </a:r>
-            <a:endParaRPr lang="en-US" dirty="0" smtClean="0">
-              <a:solidFill>
-                <a:schemeClr val="accent5">
-                  <a:lumMod val="20000"/>
-                  <a:lumOff val="80000"/>
-                </a:schemeClr>
-              </a:solidFill>
-            </a:endParaRPr>
-          </a:p>
-          <a:p>
-            <a:pPr lvl="1"/>
-            <a:r>
-              <a:rPr lang="en-US" dirty="0" smtClean="0"/>
-              <a:t>Simple </a:t>
-            </a:r>
-            <a:r>
-              <a:rPr lang="en-US" dirty="0"/>
-              <a:t>Object Access </a:t>
-            </a:r>
-            <a:r>
-              <a:rPr lang="en-US" dirty="0" smtClean="0"/>
-              <a:t>Protocol</a:t>
-            </a:r>
-            <a:endParaRPr lang="en-US" dirty="0"/>
-          </a:p>
-          <a:p>
-            <a:r>
-              <a:rPr lang="en-US" dirty="0">
-                <a:solidFill>
-                  <a:schemeClr val="accent5">
-                    <a:lumMod val="20000"/>
-                    <a:lumOff val="80000"/>
-                  </a:schemeClr>
-                </a:solidFill>
-              </a:rPr>
-              <a:t>WSDL </a:t>
-            </a:r>
-            <a:endParaRPr lang="en-US" dirty="0" smtClean="0">
-              <a:solidFill>
-                <a:schemeClr val="accent5">
-                  <a:lumMod val="20000"/>
-                  <a:lumOff val="80000"/>
-                </a:schemeClr>
-              </a:solidFill>
-            </a:endParaRPr>
-          </a:p>
-          <a:p>
-            <a:pPr lvl="1"/>
-            <a:r>
-              <a:rPr lang="en-US" dirty="0" smtClean="0"/>
-              <a:t>Web </a:t>
-            </a:r>
-            <a:r>
-              <a:rPr lang="en-US" dirty="0"/>
-              <a:t>Services Description </a:t>
-            </a:r>
-            <a:r>
-              <a:rPr lang="en-US" dirty="0" smtClean="0"/>
-              <a:t>Language</a:t>
-            </a:r>
-            <a:endParaRPr lang="en-US" dirty="0"/>
-          </a:p>
-        </p:txBody>
-      </p:sp>
-      <p:sp>
-        <p:nvSpPr>
-          <p:cNvPr id="4" name="Slide Number Placeholder 3"/>
-          <p:cNvSpPr>
-            <a:spLocks noGrp="1"/>
-          </p:cNvSpPr>
-          <p:nvPr>
-            <p:ph type="sldNum" sz="quarter" idx="10"/>
-          </p:nvPr>
-        </p:nvSpPr>
-        <p:spPr/>
-        <p:txBody>
-          <a:bodyPr/>
-          <a:lstStyle/>
-          <a:p>
-            <a:pPr>
-              <a:defRPr/>
-            </a:pPr>
-            <a:fld id="{58452FF4-89E3-4D1B-9927-2DBDC00E58D7}" type="slidenum">
-              <a:rPr lang="en-US" smtClean="0"/>
-              <a:pPr>
-                <a:defRPr/>
-              </a:pPr>
-              <a:t>15</a:t>
             </a:fld>
             <a:endParaRPr lang="en-US" dirty="0"/>
           </a:p>
@@ -8932,7 +8584,7 @@
 </p:sld>
 </file>
 
-<file path=ppt/slides/slide16.xml><?xml version="1.0" encoding="utf-8"?>
+<file path=ppt/slides/slide14.xml><?xml version="1.0" encoding="utf-8"?>
 <p:sld xmlns:a="http://schemas.openxmlformats.org/drawingml/2006/main" xmlns:r="http://schemas.openxmlformats.org/officeDocument/2006/relationships" xmlns:p="http://schemas.openxmlformats.org/presentationml/2006/main">
   <p:cSld>
     <p:spTree>
@@ -9267,7 +8919,7 @@
               <a:pPr>
                 <a:defRPr/>
               </a:pPr>
-              <a:t>16</a:t>
+              <a:t>14</a:t>
             </a:fld>
             <a:endParaRPr lang="en-US" dirty="0"/>
           </a:p>
@@ -9357,7 +9009,7 @@
 </p:sld>
 </file>
 
-<file path=ppt/slides/slide17.xml><?xml version="1.0" encoding="utf-8"?>
+<file path=ppt/slides/slide15.xml><?xml version="1.0" encoding="utf-8"?>
 <p:sld xmlns:a="http://schemas.openxmlformats.org/drawingml/2006/main" xmlns:r="http://schemas.openxmlformats.org/officeDocument/2006/relationships" xmlns:p="http://schemas.openxmlformats.org/presentationml/2006/main">
   <p:cSld>
     <p:spTree>
@@ -9609,7 +9261,7 @@
               <a:pPr>
                 <a:defRPr/>
               </a:pPr>
-              <a:t>17</a:t>
+              <a:t>15</a:t>
             </a:fld>
             <a:endParaRPr lang="en-US" dirty="0"/>
           </a:p>
@@ -9635,7 +9287,7 @@
 </p:sld>
 </file>
 
-<file path=ppt/slides/slide18.xml><?xml version="1.0" encoding="utf-8"?>
+<file path=ppt/slides/slide16.xml><?xml version="1.0" encoding="utf-8"?>
 <p:sld xmlns:a="http://schemas.openxmlformats.org/drawingml/2006/main" xmlns:r="http://schemas.openxmlformats.org/officeDocument/2006/relationships" xmlns:p="http://schemas.openxmlformats.org/presentationml/2006/main">
   <p:cSld>
     <p:spTree>
@@ -9668,63 +9320,8 @@
           <a:lstStyle/>
           <a:p>
             <a:r>
-              <a:rPr lang="en-US" dirty="0"/>
-              <a:t>Web Service Testing Challenges</a:t>
-            </a:r>
-          </a:p>
-        </p:txBody>
-      </p:sp>
-      <p:sp>
-        <p:nvSpPr>
-          <p:cNvPr id="3" name="Content Placeholder 2"/>
-          <p:cNvSpPr>
-            <a:spLocks noGrp="1"/>
-          </p:cNvSpPr>
-          <p:nvPr>
-            <p:ph idx="1"/>
-          </p:nvPr>
-        </p:nvSpPr>
-        <p:spPr/>
-        <p:txBody>
-          <a:bodyPr/>
-          <a:lstStyle/>
-          <a:p>
-            <a:r>
-              <a:rPr lang="en-US" dirty="0"/>
-              <a:t>Since Web services are composed of loosely </a:t>
-            </a:r>
-            <a:r>
               <a:rPr lang="en-US" dirty="0" smtClean="0"/>
-              <a:t>coupled distributed over </a:t>
-            </a:r>
-            <a:r>
-              <a:rPr lang="en-US" dirty="0"/>
-              <a:t>networks, we must test the application</a:t>
-            </a:r>
-            <a:r>
-              <a:rPr lang="en-US" dirty="0" smtClean="0"/>
-              <a:t>:</a:t>
-            </a:r>
-          </a:p>
-          <a:p>
-            <a:pPr lvl="1"/>
-            <a:r>
-              <a:rPr lang="en-US" dirty="0" smtClean="0"/>
-              <a:t>End to end</a:t>
-            </a:r>
-          </a:p>
-          <a:p>
-            <a:pPr lvl="1"/>
-            <a:r>
-              <a:rPr lang="en-US" dirty="0" smtClean="0"/>
-              <a:t>Service to service</a:t>
-            </a:r>
-          </a:p>
-          <a:p>
-            <a:pPr lvl="1"/>
-            <a:r>
-              <a:rPr lang="en-US" dirty="0" smtClean="0"/>
-              <a:t>Interface by interface</a:t>
+              <a:t>Web Service Architecture</a:t>
             </a:r>
             <a:endParaRPr lang="en-US" dirty="0"/>
           </a:p>
@@ -9753,7 +9350,212 @@
               <a:pPr>
                 <a:defRPr/>
               </a:pPr>
-              <a:t>18</a:t>
+              <a:t>16</a:t>
+            </a:fld>
+            <a:endParaRPr lang="en-US" dirty="0"/>
+          </a:p>
+        </p:txBody>
+      </p:sp>
+      <p:pic>
+        <p:nvPicPr>
+          <p:cNvPr id="5" name="Picture 2" descr="1"/>
+          <p:cNvPicPr>
+            <a:picLocks noChangeAspect="1" noChangeArrowheads="1"/>
+          </p:cNvPicPr>
+          <p:nvPr/>
+        </p:nvPicPr>
+        <p:blipFill>
+          <a:blip r:embed="rId2">
+            <a:extLst>
+              <a:ext uri="{28A0092B-C50C-407E-A947-70E740481C1C}">
+                <a14:useLocalDpi xmlns:a14="http://schemas.microsoft.com/office/drawing/2010/main" val="0"/>
+              </a:ext>
+            </a:extLst>
+          </a:blip>
+          <a:srcRect/>
+          <a:stretch>
+            <a:fillRect/>
+          </a:stretch>
+        </p:blipFill>
+        <p:spPr bwMode="auto">
+          <a:xfrm>
+            <a:off x="2046195" y="2035628"/>
+            <a:ext cx="5051611" cy="3733800"/>
+          </a:xfrm>
+          <a:prstGeom prst="roundRect">
+            <a:avLst/>
+          </a:prstGeom>
+          <a:noFill/>
+          <a:ln>
+            <a:noFill/>
+          </a:ln>
+          <a:effectLst>
+            <a:glow rad="101600">
+              <a:schemeClr val="tx1">
+                <a:alpha val="60000"/>
+              </a:schemeClr>
+            </a:glow>
+          </a:effectLst>
+          <a:extLst>
+            <a:ext uri="{909E8E84-426E-40DD-AFC4-6F175D3DCCD1}">
+              <a14:hiddenFill xmlns:a14="http://schemas.microsoft.com/office/drawing/2010/main">
+                <a:solidFill>
+                  <a:srgbClr val="FFFFFF"/>
+                </a:solidFill>
+              </a14:hiddenFill>
+            </a:ext>
+            <a:ext uri="{91240B29-F687-4F45-9708-019B960494DF}">
+              <a14:hiddenLine xmlns:a14="http://schemas.microsoft.com/office/drawing/2010/main" w="9525">
+                <a:solidFill>
+                  <a:srgbClr val="000000"/>
+                </a:solidFill>
+                <a:miter lim="800000"/>
+                <a:headEnd/>
+                <a:tailEnd/>
+              </a14:hiddenLine>
+            </a:ext>
+          </a:extLst>
+        </p:spPr>
+      </p:pic>
+    </p:spTree>
+    <p:extLst>
+      <p:ext uri="{BB962C8B-B14F-4D97-AF65-F5344CB8AC3E}">
+        <p14:creationId xmlns:p14="http://schemas.microsoft.com/office/powerpoint/2010/main" val="2647155201"/>
+      </p:ext>
+    </p:extLst>
+  </p:cSld>
+  <p:clrMapOvr>
+    <a:masterClrMapping/>
+  </p:clrMapOvr>
+  <p:timing>
+    <p:tnLst>
+      <p:par>
+        <p:cTn id="1" dur="indefinite" restart="never" nodeType="tmRoot"/>
+      </p:par>
+    </p:tnLst>
+  </p:timing>
+</p:sld>
+</file>
+
+<file path=ppt/slides/slide17.xml><?xml version="1.0" encoding="utf-8"?>
+<p:sld xmlns:a="http://schemas.openxmlformats.org/drawingml/2006/main" xmlns:r="http://schemas.openxmlformats.org/officeDocument/2006/relationships" xmlns:p="http://schemas.openxmlformats.org/presentationml/2006/main">
+  <p:cSld>
+    <p:spTree>
+      <p:nvGrpSpPr>
+        <p:cNvPr id="1" name=""/>
+        <p:cNvGrpSpPr/>
+        <p:nvPr/>
+      </p:nvGrpSpPr>
+      <p:grpSpPr>
+        <a:xfrm>
+          <a:off x="0" y="0"/>
+          <a:ext cx="0" cy="0"/>
+          <a:chOff x="0" y="0"/>
+          <a:chExt cx="0" cy="0"/>
+        </a:xfrm>
+      </p:grpSpPr>
+      <p:sp>
+        <p:nvSpPr>
+          <p:cNvPr id="2" name="Title 1"/>
+          <p:cNvSpPr>
+            <a:spLocks noGrp="1"/>
+          </p:cNvSpPr>
+          <p:nvPr>
+            <p:ph type="title"/>
+          </p:nvPr>
+        </p:nvSpPr>
+        <p:spPr/>
+        <p:txBody>
+          <a:bodyPr/>
+          <a:lstStyle/>
+          <a:p>
+            <a:r>
+              <a:rPr lang="en-US" dirty="0"/>
+              <a:t>Web Service Testing Challenges</a:t>
+            </a:r>
+          </a:p>
+        </p:txBody>
+      </p:sp>
+      <p:sp>
+        <p:nvSpPr>
+          <p:cNvPr id="3" name="Content Placeholder 2"/>
+          <p:cNvSpPr>
+            <a:spLocks noGrp="1"/>
+          </p:cNvSpPr>
+          <p:nvPr>
+            <p:ph idx="1"/>
+          </p:nvPr>
+        </p:nvSpPr>
+        <p:spPr/>
+        <p:txBody>
+          <a:bodyPr/>
+          <a:lstStyle/>
+          <a:p>
+            <a:r>
+              <a:rPr lang="en-US" dirty="0"/>
+              <a:t>Since Web services are composed of loosely </a:t>
+            </a:r>
+            <a:r>
+              <a:rPr lang="en-US" dirty="0" smtClean="0"/>
+              <a:t>coupled distributed over </a:t>
+            </a:r>
+            <a:r>
+              <a:rPr lang="en-US" dirty="0"/>
+              <a:t>networks, we must test the application</a:t>
+            </a:r>
+            <a:r>
+              <a:rPr lang="en-US" dirty="0" smtClean="0"/>
+              <a:t>:</a:t>
+            </a:r>
+          </a:p>
+          <a:p>
+            <a:pPr lvl="1"/>
+            <a:r>
+              <a:rPr lang="en-US" dirty="0" smtClean="0"/>
+              <a:t>End to end</a:t>
+            </a:r>
+          </a:p>
+          <a:p>
+            <a:pPr lvl="1"/>
+            <a:r>
+              <a:rPr lang="en-US" dirty="0" smtClean="0"/>
+              <a:t>Service to service</a:t>
+            </a:r>
+          </a:p>
+          <a:p>
+            <a:pPr lvl="1"/>
+            <a:r>
+              <a:rPr lang="en-US" dirty="0" smtClean="0"/>
+              <a:t>Interface by interface</a:t>
+            </a:r>
+            <a:endParaRPr lang="en-US" dirty="0"/>
+          </a:p>
+        </p:txBody>
+      </p:sp>
+      <p:sp>
+        <p:nvSpPr>
+          <p:cNvPr id="4" name="Slide Number Placeholder 3"/>
+          <p:cNvSpPr>
+            <a:spLocks noGrp="1"/>
+          </p:cNvSpPr>
+          <p:nvPr>
+            <p:ph type="sldNum" sz="quarter" idx="10"/>
+          </p:nvPr>
+        </p:nvSpPr>
+        <p:spPr/>
+        <p:txBody>
+          <a:bodyPr/>
+          <a:lstStyle/>
+          <a:p>
+            <a:pPr>
+              <a:defRPr/>
+            </a:pPr>
+            <a:fld id="{58452FF4-89E3-4D1B-9927-2DBDC00E58D7}" type="slidenum">
+              <a:rPr lang="en-US" smtClean="0"/>
+              <a:pPr>
+                <a:defRPr/>
+              </a:pPr>
+              <a:t>17</a:t>
             </a:fld>
             <a:endParaRPr lang="en-US" dirty="0"/>
           </a:p>
@@ -9851,7 +9653,7 @@
 </p:sld>
 </file>
 
-<file path=ppt/slides/slide19.xml><?xml version="1.0" encoding="utf-8"?>
+<file path=ppt/slides/slide18.xml><?xml version="1.0" encoding="utf-8"?>
 <p:sld xmlns:a="http://schemas.openxmlformats.org/drawingml/2006/main" xmlns:r="http://schemas.openxmlformats.org/officeDocument/2006/relationships" xmlns:p="http://schemas.openxmlformats.org/presentationml/2006/main">
   <p:cSld>
     <p:spTree>
@@ -10086,7 +9888,7 @@
               <a:pPr>
                 <a:defRPr/>
               </a:pPr>
-              <a:t>19</a:t>
+              <a:t>18</a:t>
             </a:fld>
             <a:endParaRPr lang="en-US" dirty="0"/>
           </a:p>
@@ -10112,6 +9914,241 @@
 </p:sld>
 </file>
 
+<file path=ppt/slides/slide19.xml><?xml version="1.0" encoding="utf-8"?>
+<p:sld xmlns:a="http://schemas.openxmlformats.org/drawingml/2006/main" xmlns:r="http://schemas.openxmlformats.org/officeDocument/2006/relationships" xmlns:p="http://schemas.openxmlformats.org/presentationml/2006/main">
+  <p:cSld>
+    <p:spTree>
+      <p:nvGrpSpPr>
+        <p:cNvPr id="1" name=""/>
+        <p:cNvGrpSpPr/>
+        <p:nvPr/>
+      </p:nvGrpSpPr>
+      <p:grpSpPr>
+        <a:xfrm>
+          <a:off x="0" y="0"/>
+          <a:ext cx="0" cy="0"/>
+          <a:chOff x="0" y="0"/>
+          <a:chExt cx="0" cy="0"/>
+        </a:xfrm>
+      </p:grpSpPr>
+      <p:sp>
+        <p:nvSpPr>
+          <p:cNvPr id="2" name="Title 1"/>
+          <p:cNvSpPr>
+            <a:spLocks noGrp="1"/>
+          </p:cNvSpPr>
+          <p:nvPr>
+            <p:ph type="title"/>
+          </p:nvPr>
+        </p:nvSpPr>
+        <p:spPr/>
+        <p:txBody>
+          <a:bodyPr/>
+          <a:lstStyle/>
+          <a:p>
+            <a:r>
+              <a:rPr lang="en-US" dirty="0" smtClean="0"/>
+              <a:t>Web Service</a:t>
+            </a:r>
+            <a:r>
+              <a:rPr lang="en-US" dirty="0"/>
+              <a:t> </a:t>
+            </a:r>
+            <a:r>
+              <a:rPr lang="en-US" dirty="0" smtClean="0"/>
+              <a:t>Test Automation</a:t>
+            </a:r>
+            <a:endParaRPr lang="en-US" dirty="0"/>
+          </a:p>
+        </p:txBody>
+      </p:sp>
+      <p:sp>
+        <p:nvSpPr>
+          <p:cNvPr id="3" name="Content Placeholder 2"/>
+          <p:cNvSpPr>
+            <a:spLocks noGrp="1"/>
+          </p:cNvSpPr>
+          <p:nvPr>
+            <p:ph idx="1"/>
+          </p:nvPr>
+        </p:nvSpPr>
+        <p:spPr/>
+        <p:txBody>
+          <a:bodyPr/>
+          <a:lstStyle/>
+          <a:p>
+            <a:r>
+              <a:rPr lang="en-US" dirty="0" smtClean="0"/>
+              <a:t>What </a:t>
+            </a:r>
+            <a:r>
+              <a:rPr lang="en-US" dirty="0"/>
+              <a:t>if your web service contains too many </a:t>
+            </a:r>
+            <a:r>
+              <a:rPr lang="en-US" dirty="0" smtClean="0"/>
+              <a:t>methods?</a:t>
+            </a:r>
+            <a:endParaRPr lang="en-US" dirty="0"/>
+          </a:p>
+          <a:p>
+            <a:pPr lvl="1"/>
+            <a:r>
+              <a:rPr lang="en-US" dirty="0"/>
+              <a:t>W</a:t>
+            </a:r>
+            <a:r>
+              <a:rPr lang="en-US" dirty="0" smtClean="0"/>
+              <a:t>ith </a:t>
+            </a:r>
+            <a:r>
+              <a:rPr lang="en-US" dirty="0"/>
+              <a:t>too many input and output </a:t>
+            </a:r>
+            <a:r>
+              <a:rPr lang="en-US" dirty="0" smtClean="0"/>
+              <a:t>parameters</a:t>
+            </a:r>
+          </a:p>
+          <a:p>
+            <a:r>
+              <a:rPr lang="en-US" dirty="0"/>
+              <a:t>Web Service </a:t>
+            </a:r>
+            <a:r>
+              <a:rPr lang="en-US" dirty="0" smtClean="0"/>
+              <a:t>testing can be automated</a:t>
+            </a:r>
+          </a:p>
+          <a:p>
+            <a:pPr lvl="1"/>
+            <a:r>
+              <a:rPr lang="en-US" dirty="0"/>
+              <a:t>A</a:t>
+            </a:r>
+            <a:r>
+              <a:rPr lang="en-US" dirty="0" smtClean="0"/>
+              <a:t>utomate </a:t>
+            </a:r>
+            <a:r>
+              <a:rPr lang="en-US" dirty="0"/>
+              <a:t>validation of your web service’s </a:t>
+            </a:r>
+            <a:r>
+              <a:rPr lang="en-US" dirty="0">
+                <a:solidFill>
+                  <a:schemeClr val="accent5">
+                    <a:lumMod val="20000"/>
+                    <a:lumOff val="80000"/>
+                  </a:schemeClr>
+                </a:solidFill>
+              </a:rPr>
+              <a:t>response</a:t>
+            </a:r>
+            <a:r>
+              <a:rPr lang="en-US" dirty="0"/>
+              <a:t> against you </a:t>
+            </a:r>
+            <a:r>
+              <a:rPr lang="en-US" dirty="0" smtClean="0"/>
+              <a:t>input</a:t>
+            </a:r>
+          </a:p>
+          <a:p>
+            <a:pPr lvl="1"/>
+            <a:r>
+              <a:rPr lang="en-US" dirty="0"/>
+              <a:t>A</a:t>
+            </a:r>
+            <a:r>
+              <a:rPr lang="en-US" dirty="0" smtClean="0"/>
+              <a:t>utomate </a:t>
+            </a:r>
+            <a:r>
+              <a:rPr lang="en-US" dirty="0"/>
+              <a:t>the </a:t>
+            </a:r>
+            <a:r>
+              <a:rPr lang="en-US" dirty="0">
+                <a:solidFill>
+                  <a:schemeClr val="accent5">
+                    <a:lumMod val="20000"/>
+                    <a:lumOff val="80000"/>
+                  </a:schemeClr>
+                </a:solidFill>
+              </a:rPr>
+              <a:t>output</a:t>
+            </a:r>
+            <a:r>
+              <a:rPr lang="en-US" dirty="0"/>
+              <a:t> of validation results into a file </a:t>
+            </a:r>
+            <a:endParaRPr lang="en-US" dirty="0" smtClean="0"/>
+          </a:p>
+          <a:p>
+            <a:pPr lvl="2"/>
+            <a:r>
+              <a:rPr lang="en-US" dirty="0" smtClean="0"/>
+              <a:t>Could </a:t>
+            </a:r>
+            <a:r>
+              <a:rPr lang="en-US" dirty="0"/>
+              <a:t>be just a text file of HTML depending on your </a:t>
+            </a:r>
+            <a:r>
+              <a:rPr lang="en-US" dirty="0" smtClean="0"/>
+              <a:t>choice</a:t>
+            </a:r>
+            <a:endParaRPr lang="en-US" dirty="0"/>
+          </a:p>
+          <a:p>
+            <a:pPr lvl="1"/>
+            <a:endParaRPr lang="en-US" dirty="0"/>
+          </a:p>
+        </p:txBody>
+      </p:sp>
+      <p:sp>
+        <p:nvSpPr>
+          <p:cNvPr id="4" name="Slide Number Placeholder 3"/>
+          <p:cNvSpPr>
+            <a:spLocks noGrp="1"/>
+          </p:cNvSpPr>
+          <p:nvPr>
+            <p:ph type="sldNum" sz="quarter" idx="10"/>
+          </p:nvPr>
+        </p:nvSpPr>
+        <p:spPr/>
+        <p:txBody>
+          <a:bodyPr/>
+          <a:lstStyle/>
+          <a:p>
+            <a:pPr>
+              <a:defRPr/>
+            </a:pPr>
+            <a:fld id="{58452FF4-89E3-4D1B-9927-2DBDC00E58D7}" type="slidenum">
+              <a:rPr lang="en-US" smtClean="0"/>
+              <a:pPr>
+                <a:defRPr/>
+              </a:pPr>
+              <a:t>19</a:t>
+            </a:fld>
+            <a:endParaRPr lang="en-US" dirty="0"/>
+          </a:p>
+        </p:txBody>
+      </p:sp>
+    </p:spTree>
+    <p:extLst>
+      <p:ext uri="{BB962C8B-B14F-4D97-AF65-F5344CB8AC3E}">
+        <p14:creationId xmlns:p14="http://schemas.microsoft.com/office/powerpoint/2010/main" val="1756145378"/>
+      </p:ext>
+    </p:extLst>
+  </p:cSld>
+  <p:clrMapOvr>
+    <a:masterClrMapping/>
+  </p:clrMapOvr>
+</p:sld>
+</file>
+
 <file path=ppt/slides/slide2.xml><?xml version="1.0" encoding="utf-8"?>
 <p:sld xmlns:a="http://schemas.openxmlformats.org/drawingml/2006/main" xmlns:r="http://schemas.openxmlformats.org/officeDocument/2006/relationships" xmlns:p="http://schemas.openxmlformats.org/presentationml/2006/main">
   <p:cSld>
@@ -10202,12 +10239,8 @@
               <a:buNone/>
             </a:pPr>
             <a:r>
-              <a:rPr lang="en-US" sz="2400" smtClean="0"/>
-              <a:t>Project </a:t>
-            </a:r>
-            <a:r>
               <a:rPr lang="en-US" sz="2400" dirty="0" smtClean="0"/>
-              <a:t>Manager</a:t>
+              <a:t>Project Manager</a:t>
             </a:r>
           </a:p>
           <a:p>
@@ -10224,23 +10257,14 @@
               <a:buNone/>
             </a:pPr>
             <a:r>
+              <a:rPr lang="en-US" sz="2400" dirty="0"/>
+              <a:t>Business </a:t>
+            </a:r>
+            <a:r>
               <a:rPr lang="en-US" sz="2400" dirty="0" smtClean="0"/>
-              <a:t>Business Operations</a:t>
-            </a:r>
-          </a:p>
-          <a:p>
-            <a:pPr lvl="1">
-              <a:lnSpc>
-                <a:spcPct val="100000"/>
-              </a:lnSpc>
-              <a:spcBef>
-                <a:spcPts val="300"/>
-              </a:spcBef>
-              <a:spcAft>
-                <a:spcPts val="300"/>
-              </a:spcAft>
-            </a:pPr>
-            <a:endParaRPr lang="en-US" dirty="0" smtClean="0"/>
+              <a:t>Operations</a:t>
+            </a:r>
+            <a:endParaRPr lang="en-US" dirty="0"/>
           </a:p>
           <a:p>
             <a:pPr lvl="1">
@@ -10375,7 +10399,7 @@
         </p:blipFill>
         <p:spPr>
           <a:xfrm>
-            <a:off x="6099450" y="3790419"/>
+            <a:off x="6099452" y="3790421"/>
             <a:ext cx="1441959" cy="2029609"/>
           </a:xfrm>
           <a:prstGeom prst="roundRect">
@@ -10399,7 +10423,7 @@
       </p:pic>
       <p:pic>
         <p:nvPicPr>
-          <p:cNvPr id="5" name="Picture 4"/>
+          <p:cNvPr id="9" name="Picture 8"/>
           <p:cNvPicPr>
             <a:picLocks noChangeAspect="1"/>
           </p:cNvPicPr>
@@ -10444,7 +10468,7 @@
     </p:spTree>
     <p:extLst>
       <p:ext uri="{BB962C8B-B14F-4D97-AF65-F5344CB8AC3E}">
-        <p14:creationId xmlns:p14="http://schemas.microsoft.com/office/powerpoint/2010/main" val="3512885564"/>
+        <p14:creationId xmlns:p14="http://schemas.microsoft.com/office/powerpoint/2010/main" val="339543490"/>
       </p:ext>
     </p:extLst>
   </p:cSld>
@@ -10462,241 +10486,6 @@
 </file>
 
 <file path=ppt/slides/slide20.xml><?xml version="1.0" encoding="utf-8"?>
-<p:sld xmlns:a="http://schemas.openxmlformats.org/drawingml/2006/main" xmlns:r="http://schemas.openxmlformats.org/officeDocument/2006/relationships" xmlns:p="http://schemas.openxmlformats.org/presentationml/2006/main">
-  <p:cSld>
-    <p:spTree>
-      <p:nvGrpSpPr>
-        <p:cNvPr id="1" name=""/>
-        <p:cNvGrpSpPr/>
-        <p:nvPr/>
-      </p:nvGrpSpPr>
-      <p:grpSpPr>
-        <a:xfrm>
-          <a:off x="0" y="0"/>
-          <a:ext cx="0" cy="0"/>
-          <a:chOff x="0" y="0"/>
-          <a:chExt cx="0" cy="0"/>
-        </a:xfrm>
-      </p:grpSpPr>
-      <p:sp>
-        <p:nvSpPr>
-          <p:cNvPr id="2" name="Title 1"/>
-          <p:cNvSpPr>
-            <a:spLocks noGrp="1"/>
-          </p:cNvSpPr>
-          <p:nvPr>
-            <p:ph type="title"/>
-          </p:nvPr>
-        </p:nvSpPr>
-        <p:spPr/>
-        <p:txBody>
-          <a:bodyPr/>
-          <a:lstStyle/>
-          <a:p>
-            <a:r>
-              <a:rPr lang="en-US" dirty="0" smtClean="0"/>
-              <a:t>Web Service</a:t>
-            </a:r>
-            <a:r>
-              <a:rPr lang="en-US" dirty="0"/>
-              <a:t> </a:t>
-            </a:r>
-            <a:r>
-              <a:rPr lang="en-US" dirty="0" smtClean="0"/>
-              <a:t>Test Automation</a:t>
-            </a:r>
-            <a:endParaRPr lang="en-US" dirty="0"/>
-          </a:p>
-        </p:txBody>
-      </p:sp>
-      <p:sp>
-        <p:nvSpPr>
-          <p:cNvPr id="3" name="Content Placeholder 2"/>
-          <p:cNvSpPr>
-            <a:spLocks noGrp="1"/>
-          </p:cNvSpPr>
-          <p:nvPr>
-            <p:ph idx="1"/>
-          </p:nvPr>
-        </p:nvSpPr>
-        <p:spPr/>
-        <p:txBody>
-          <a:bodyPr/>
-          <a:lstStyle/>
-          <a:p>
-            <a:r>
-              <a:rPr lang="en-US" dirty="0" smtClean="0"/>
-              <a:t>What </a:t>
-            </a:r>
-            <a:r>
-              <a:rPr lang="en-US" dirty="0"/>
-              <a:t>if your web service contains too many </a:t>
-            </a:r>
-            <a:r>
-              <a:rPr lang="en-US" dirty="0" smtClean="0"/>
-              <a:t>methods?</a:t>
-            </a:r>
-            <a:endParaRPr lang="en-US" dirty="0"/>
-          </a:p>
-          <a:p>
-            <a:pPr lvl="1"/>
-            <a:r>
-              <a:rPr lang="en-US" dirty="0"/>
-              <a:t>W</a:t>
-            </a:r>
-            <a:r>
-              <a:rPr lang="en-US" dirty="0" smtClean="0"/>
-              <a:t>ith </a:t>
-            </a:r>
-            <a:r>
-              <a:rPr lang="en-US" dirty="0"/>
-              <a:t>too many input and output </a:t>
-            </a:r>
-            <a:r>
-              <a:rPr lang="en-US" dirty="0" smtClean="0"/>
-              <a:t>parameters</a:t>
-            </a:r>
-          </a:p>
-          <a:p>
-            <a:r>
-              <a:rPr lang="en-US" dirty="0"/>
-              <a:t>Web Service </a:t>
-            </a:r>
-            <a:r>
-              <a:rPr lang="en-US" dirty="0" smtClean="0"/>
-              <a:t>testing can be automated</a:t>
-            </a:r>
-          </a:p>
-          <a:p>
-            <a:pPr lvl="1"/>
-            <a:r>
-              <a:rPr lang="en-US" dirty="0"/>
-              <a:t>A</a:t>
-            </a:r>
-            <a:r>
-              <a:rPr lang="en-US" dirty="0" smtClean="0"/>
-              <a:t>utomate </a:t>
-            </a:r>
-            <a:r>
-              <a:rPr lang="en-US" dirty="0"/>
-              <a:t>validation of your web service’s </a:t>
-            </a:r>
-            <a:r>
-              <a:rPr lang="en-US" dirty="0">
-                <a:solidFill>
-                  <a:schemeClr val="accent5">
-                    <a:lumMod val="20000"/>
-                    <a:lumOff val="80000"/>
-                  </a:schemeClr>
-                </a:solidFill>
-              </a:rPr>
-              <a:t>response</a:t>
-            </a:r>
-            <a:r>
-              <a:rPr lang="en-US" dirty="0"/>
-              <a:t> against you </a:t>
-            </a:r>
-            <a:r>
-              <a:rPr lang="en-US" dirty="0" smtClean="0"/>
-              <a:t>input</a:t>
-            </a:r>
-          </a:p>
-          <a:p>
-            <a:pPr lvl="1"/>
-            <a:r>
-              <a:rPr lang="en-US" dirty="0"/>
-              <a:t>A</a:t>
-            </a:r>
-            <a:r>
-              <a:rPr lang="en-US" dirty="0" smtClean="0"/>
-              <a:t>utomate </a:t>
-            </a:r>
-            <a:r>
-              <a:rPr lang="en-US" dirty="0"/>
-              <a:t>the </a:t>
-            </a:r>
-            <a:r>
-              <a:rPr lang="en-US" dirty="0">
-                <a:solidFill>
-                  <a:schemeClr val="accent5">
-                    <a:lumMod val="20000"/>
-                    <a:lumOff val="80000"/>
-                  </a:schemeClr>
-                </a:solidFill>
-              </a:rPr>
-              <a:t>output</a:t>
-            </a:r>
-            <a:r>
-              <a:rPr lang="en-US" dirty="0"/>
-              <a:t> of validation results into a file </a:t>
-            </a:r>
-            <a:endParaRPr lang="en-US" dirty="0" smtClean="0"/>
-          </a:p>
-          <a:p>
-            <a:pPr lvl="2"/>
-            <a:r>
-              <a:rPr lang="en-US" dirty="0" smtClean="0"/>
-              <a:t>Could </a:t>
-            </a:r>
-            <a:r>
-              <a:rPr lang="en-US" dirty="0"/>
-              <a:t>be just a text file of HTML depending on your </a:t>
-            </a:r>
-            <a:r>
-              <a:rPr lang="en-US" dirty="0" smtClean="0"/>
-              <a:t>choice</a:t>
-            </a:r>
-            <a:endParaRPr lang="en-US" dirty="0"/>
-          </a:p>
-          <a:p>
-            <a:pPr lvl="1"/>
-            <a:endParaRPr lang="en-US" dirty="0"/>
-          </a:p>
-        </p:txBody>
-      </p:sp>
-      <p:sp>
-        <p:nvSpPr>
-          <p:cNvPr id="4" name="Slide Number Placeholder 3"/>
-          <p:cNvSpPr>
-            <a:spLocks noGrp="1"/>
-          </p:cNvSpPr>
-          <p:nvPr>
-            <p:ph type="sldNum" sz="quarter" idx="10"/>
-          </p:nvPr>
-        </p:nvSpPr>
-        <p:spPr/>
-        <p:txBody>
-          <a:bodyPr/>
-          <a:lstStyle/>
-          <a:p>
-            <a:pPr>
-              <a:defRPr/>
-            </a:pPr>
-            <a:fld id="{58452FF4-89E3-4D1B-9927-2DBDC00E58D7}" type="slidenum">
-              <a:rPr lang="en-US" smtClean="0"/>
-              <a:pPr>
-                <a:defRPr/>
-              </a:pPr>
-              <a:t>20</a:t>
-            </a:fld>
-            <a:endParaRPr lang="en-US" dirty="0"/>
-          </a:p>
-        </p:txBody>
-      </p:sp>
-    </p:spTree>
-    <p:extLst>
-      <p:ext uri="{BB962C8B-B14F-4D97-AF65-F5344CB8AC3E}">
-        <p14:creationId xmlns:p14="http://schemas.microsoft.com/office/powerpoint/2010/main" val="1756145378"/>
-      </p:ext>
-    </p:extLst>
-  </p:cSld>
-  <p:clrMapOvr>
-    <a:masterClrMapping/>
-  </p:clrMapOvr>
-</p:sld>
-</file>
-
-<file path=ppt/slides/slide21.xml><?xml version="1.0" encoding="utf-8"?>
 <p:sld xmlns:a="http://schemas.openxmlformats.org/drawingml/2006/main" xmlns:r="http://schemas.openxmlformats.org/officeDocument/2006/relationships" xmlns:p="http://schemas.openxmlformats.org/presentationml/2006/main">
   <p:cSld>
     <p:spTree>
@@ -10958,7 +10747,7 @@
 </p:sld>
 </file>
 
-<file path=ppt/slides/slide22.xml><?xml version="1.0" encoding="utf-8"?>
+<file path=ppt/slides/slide21.xml><?xml version="1.0" encoding="utf-8"?>
 <p:sld xmlns:a="http://schemas.openxmlformats.org/drawingml/2006/main" xmlns:r="http://schemas.openxmlformats.org/officeDocument/2006/relationships" xmlns:p="http://schemas.openxmlformats.org/presentationml/2006/main">
   <p:cSld>
     <p:spTree>
@@ -11055,37 +10844,27 @@
               </a:spcAft>
             </a:pPr>
             <a:r>
-              <a:rPr lang="en-GB" dirty="0">
-                <a:solidFill>
-                  <a:schemeClr val="accent6">
-                    <a:lumMod val="20000"/>
-                    <a:lumOff val="80000"/>
-                  </a:schemeClr>
-                </a:solidFill>
+              <a:rPr lang="en-US" b="0" dirty="0">
+                <a:effectLst/>
               </a:rPr>
-              <a:t>J</a:t>
-            </a:r>
-            <a:r>
-              <a:rPr lang="en-GB" dirty="0" smtClean="0">
-                <a:solidFill>
-                  <a:schemeClr val="accent6">
-                    <a:lumMod val="20000"/>
-                    <a:lumOff val="80000"/>
-                  </a:schemeClr>
-                </a:solidFill>
+              <a:t>C</a:t>
+            </a:r>
+            <a:r>
+              <a:rPr lang="en-US" b="0" dirty="0" smtClean="0">
+                <a:effectLst/>
               </a:rPr>
-              <a:t>ava-based </a:t>
-            </a:r>
-            <a:r>
-              <a:rPr lang="en-US" dirty="0" smtClean="0"/>
-              <a:t>cross-platform </a:t>
-            </a:r>
-            <a:r>
-              <a:rPr lang="en-US" dirty="0"/>
+              <a:t>ross-platform </a:t>
+            </a:r>
+            <a:r>
+              <a:rPr lang="en-US" b="0" dirty="0">
+                <a:effectLst/>
+              </a:rPr>
               <a:t>Functional Testing </a:t>
             </a:r>
             <a:r>
-              <a:rPr lang="en-US" dirty="0" smtClean="0"/>
+              <a:rPr lang="en-US" b="0" dirty="0" smtClean="0">
+                <a:effectLst/>
+              </a:rPr>
               <a:t>solution</a:t>
             </a:r>
           </a:p>
@@ -11102,6 +10881,69 @@
               </a:spcAft>
             </a:pPr>
             <a:r>
+              <a:rPr lang="en-US" b="0" dirty="0">
+                <a:effectLst/>
+              </a:rPr>
+              <a:t>A</a:t>
+            </a:r>
+            <a:r>
+              <a:rPr lang="en-US" b="0" dirty="0" smtClean="0">
+                <a:effectLst/>
+              </a:rPr>
+              <a:t>llows </a:t>
+            </a:r>
+            <a:r>
+              <a:rPr lang="en-US" b="0" dirty="0">
+                <a:effectLst/>
+              </a:rPr>
+              <a:t>you to </a:t>
+            </a:r>
+            <a:r>
+              <a:rPr lang="en-US" b="0" dirty="0" smtClean="0">
+                <a:effectLst/>
+              </a:rPr>
+              <a:t>create </a:t>
+            </a:r>
+            <a:r>
+              <a:rPr lang="en-US" b="0" dirty="0">
+                <a:effectLst/>
+              </a:rPr>
+              <a:t>and execute automated functional, regression, compliance, and load </a:t>
+            </a:r>
+            <a:r>
+              <a:rPr lang="en-US" b="0" dirty="0" smtClean="0">
+                <a:effectLst/>
+              </a:rPr>
+              <a:t>tests</a:t>
+            </a:r>
+          </a:p>
+          <a:p>
+            <a:pPr lvl="1">
+              <a:lnSpc>
+                <a:spcPct val="100000"/>
+              </a:lnSpc>
+              <a:spcBef>
+                <a:spcPts val="500"/>
+              </a:spcBef>
+              <a:spcAft>
+                <a:spcPts val="500"/>
+              </a:spcAft>
+            </a:pPr>
+            <a:endParaRPr lang="en-US" dirty="0" smtClean="0"/>
+          </a:p>
+          <a:p>
+            <a:pPr lvl="1">
+              <a:lnSpc>
+                <a:spcPct val="100000"/>
+              </a:lnSpc>
+              <a:spcBef>
+                <a:spcPts val="500"/>
+              </a:spcBef>
+              <a:spcAft>
+                <a:spcPts val="500"/>
+              </a:spcAft>
+            </a:pPr>
+            <a:r>
               <a:rPr lang="en-US" dirty="0" smtClean="0"/>
               <a:t>Has two editions:</a:t>
             </a:r>
@@ -11121,6 +10963,35 @@
             <a:r>
               <a:rPr lang="en-US" dirty="0" smtClean="0"/>
               <a:t>Free and open-source</a:t>
+            </a:r>
+          </a:p>
+          <a:p>
+            <a:pPr lvl="2">
+              <a:lnSpc>
+                <a:spcPct val="100000"/>
+              </a:lnSpc>
+              <a:spcBef>
+                <a:spcPts val="500"/>
+              </a:spcBef>
+              <a:spcAft>
+                <a:spcPts val="500"/>
+              </a:spcAft>
+            </a:pPr>
+            <a:r>
+              <a:rPr lang="en-US" dirty="0" smtClean="0"/>
+              <a:t>Paid version </a:t>
+            </a:r>
+            <a:r>
+              <a:rPr lang="en-US" dirty="0"/>
+              <a:t>– </a:t>
+            </a:r>
+            <a:r>
+              <a:rPr lang="en-US" dirty="0" err="1" smtClean="0"/>
+              <a:t>SoapUI</a:t>
+            </a:r>
+            <a:r>
+              <a:rPr lang="en-US" dirty="0" smtClean="0"/>
+              <a:t> Pro</a:t>
             </a:r>
           </a:p>
           <a:p>
@@ -11138,49 +11009,6 @@
             <a:endParaRPr lang="en-US" dirty="0" smtClean="0"/>
           </a:p>
           <a:p>
-            <a:pPr lvl="2">
-              <a:lnSpc>
-                <a:spcPct val="100000"/>
-              </a:lnSpc>
-              <a:spcBef>
-                <a:spcPts val="500"/>
-              </a:spcBef>
-              <a:spcAft>
-                <a:spcPts val="500"/>
-              </a:spcAft>
-            </a:pPr>
-            <a:r>
-              <a:rPr lang="en-US" dirty="0" smtClean="0"/>
-              <a:t>Paid version </a:t>
-            </a:r>
-            <a:r>
-              <a:rPr lang="en-US" dirty="0"/>
-              <a:t>– </a:t>
-            </a:r>
-            <a:r>
-              <a:rPr lang="en-US" dirty="0" err="1" smtClean="0"/>
-              <a:t>SoapUI</a:t>
-            </a:r>
-            <a:r>
-              <a:rPr lang="en-US" dirty="0" smtClean="0"/>
-              <a:t> Pro</a:t>
-            </a:r>
-          </a:p>
-          <a:p>
-            <a:pPr lvl="2">
-              <a:lnSpc>
-                <a:spcPct val="100000"/>
-              </a:lnSpc>
-              <a:spcBef>
-                <a:spcPts val="500"/>
-              </a:spcBef>
-              <a:spcAft>
-                <a:spcPts val="500"/>
-              </a:spcAft>
-            </a:pPr>
-            <a:endParaRPr lang="en-US" dirty="0" smtClean="0"/>
-          </a:p>
-          <a:p>
             <a:pPr lvl="1">
               <a:lnSpc>
                 <a:spcPct val="100000"/>
@@ -11233,7 +11061,7 @@
               <a:pPr>
                 <a:defRPr/>
               </a:pPr>
-              <a:t>22</a:t>
+              <a:t>21</a:t>
             </a:fld>
             <a:endParaRPr lang="en-US" dirty="0"/>
           </a:p>
@@ -11262,7 +11090,7 @@
         </p:blipFill>
         <p:spPr bwMode="auto">
           <a:xfrm>
-            <a:off x="6920056" y="4230109"/>
+            <a:off x="7655305" y="5123728"/>
             <a:ext cx="1183895" cy="1277072"/>
           </a:xfrm>
           <a:prstGeom prst="rect">
@@ -11316,7 +11144,7 @@
         </p:blipFill>
         <p:spPr bwMode="auto">
           <a:xfrm>
-            <a:off x="6177245" y="2510697"/>
+            <a:off x="6479086" y="3531629"/>
             <a:ext cx="897718" cy="1189476"/>
           </a:xfrm>
           <a:prstGeom prst="rect">
@@ -11360,7 +11188,7 @@
 </p:sld>
 </file>
 
-<file path=ppt/slides/slide23.xml><?xml version="1.0" encoding="utf-8"?>
+<file path=ppt/slides/slide22.xml><?xml version="1.0" encoding="utf-8"?>
 <p:sld xmlns:a="http://schemas.openxmlformats.org/drawingml/2006/main" xmlns:r="http://schemas.openxmlformats.org/officeDocument/2006/relationships" xmlns:p="http://schemas.openxmlformats.org/presentationml/2006/main">
   <p:cSld>
     <p:spTree>
@@ -11456,16 +11284,10 @@
           <a:p>
             <a:pPr lvl="1"/>
             <a:r>
-              <a:rPr lang="en-US" dirty="0" smtClean="0"/>
+              <a:rPr lang="en-US" smtClean="0"/>
               <a:t>Security testing</a:t>
             </a:r>
-          </a:p>
-          <a:p>
-            <a:pPr lvl="1"/>
-            <a:r>
-              <a:rPr lang="en-US" dirty="0" smtClean="0"/>
-              <a:t>REST testing</a:t>
-            </a:r>
+            <a:endParaRPr lang="en-US" dirty="0" smtClean="0"/>
           </a:p>
         </p:txBody>
       </p:sp>
@@ -11492,7 +11314,7 @@
               <a:pPr>
                 <a:defRPr/>
               </a:pPr>
-              <a:t>23</a:t>
+              <a:t>22</a:t>
             </a:fld>
             <a:endParaRPr lang="en-US" dirty="0"/>
           </a:p>
@@ -11565,7 +11387,7 @@
 </p:sld>
 </file>
 
-<file path=ppt/slides/slide24.xml><?xml version="1.0" encoding="utf-8"?>
+<file path=ppt/slides/slide23.xml><?xml version="1.0" encoding="utf-8"?>
 <p:sld xmlns:a="http://schemas.openxmlformats.org/drawingml/2006/main" xmlns:r="http://schemas.openxmlformats.org/officeDocument/2006/relationships" xmlns:p="http://schemas.openxmlformats.org/presentationml/2006/main">
   <p:cSld>
     <p:spTree>
@@ -11644,7 +11466,7 @@
       </p:sp>
       <p:pic>
         <p:nvPicPr>
-          <p:cNvPr id="4" name="Picture 3"/>
+          <p:cNvPr id="6" name="Picture 5"/>
           <p:cNvPicPr>
             <a:picLocks noChangeAspect="1"/>
           </p:cNvPicPr>
@@ -11687,7 +11509,7 @@
 </p:sld>
 </file>
 
-<file path=ppt/slides/slide25.xml><?xml version="1.0" encoding="utf-8"?>
+<file path=ppt/slides/slide24.xml><?xml version="1.0" encoding="utf-8"?>
 <p:sld xmlns:a="http://schemas.openxmlformats.org/drawingml/2006/main" xmlns:r="http://schemas.openxmlformats.org/officeDocument/2006/relationships" xmlns:p="http://schemas.openxmlformats.org/presentationml/2006/main">
   <p:cSld>
     <p:spTree>
@@ -12103,7 +11925,7 @@
 </p:sld>
 </file>
 
-<file path=ppt/slides/slide26.xml><?xml version="1.0" encoding="utf-8"?>
+<file path=ppt/slides/slide25.xml><?xml version="1.0" encoding="utf-8"?>
 <p:sld xmlns:a="http://schemas.openxmlformats.org/drawingml/2006/main" xmlns:r="http://schemas.openxmlformats.org/officeDocument/2006/relationships" xmlns:p="http://schemas.openxmlformats.org/presentationml/2006/main">
   <p:cSld>
     <p:spTree>
@@ -12533,7 +12355,7 @@
 </p:sld>
 </file>
 
-<file path=ppt/slides/slide27.xml><?xml version="1.0" encoding="utf-8"?>
+<file path=ppt/slides/slide26.xml><?xml version="1.0" encoding="utf-8"?>
 <p:sld xmlns:a="http://schemas.openxmlformats.org/drawingml/2006/main" xmlns:r="http://schemas.openxmlformats.org/officeDocument/2006/relationships" xmlns:p="http://schemas.openxmlformats.org/presentationml/2006/main">
   <p:cSld>
     <p:spTree>
@@ -12654,7 +12476,7 @@
               <a:pPr>
                 <a:defRPr/>
               </a:pPr>
-              <a:t>27</a:t>
+              <a:t>26</a:t>
             </a:fld>
             <a:endParaRPr lang="en-US" dirty="0"/>
           </a:p>
@@ -13161,7 +12983,7 @@
 </p:sld>
 </file>
 
-<file path=ppt/slides/slide28.xml><?xml version="1.0" encoding="utf-8"?>
+<file path=ppt/slides/slide27.xml><?xml version="1.0" encoding="utf-8"?>
 <p:sld xmlns:a="http://schemas.openxmlformats.org/drawingml/2006/main" xmlns:r="http://schemas.openxmlformats.org/officeDocument/2006/relationships" xmlns:p="http://schemas.openxmlformats.org/presentationml/2006/main">
   <p:cSld>
     <p:spTree>
@@ -13281,7 +13103,7 @@
               <a:pPr>
                 <a:defRPr/>
               </a:pPr>
-              <a:t>28</a:t>
+              <a:t>27</a:t>
             </a:fld>
             <a:endParaRPr lang="en-US" dirty="0"/>
           </a:p>
@@ -13350,7 +13172,7 @@
 </p:sld>
 </file>
 
-<file path=ppt/slides/slide29.xml><?xml version="1.0" encoding="utf-8"?>
+<file path=ppt/slides/slide28.xml><?xml version="1.0" encoding="utf-8"?>
 <p:sld xmlns:a="http://schemas.openxmlformats.org/drawingml/2006/main" xmlns:r="http://schemas.openxmlformats.org/officeDocument/2006/relationships" xmlns:p="http://schemas.openxmlformats.org/presentationml/2006/main">
   <p:cSld>
     <p:spTree>
@@ -13530,7 +13352,7 @@
               <a:pPr>
                 <a:defRPr/>
               </a:pPr>
-              <a:t>29</a:t>
+              <a:t>28</a:t>
             </a:fld>
             <a:endParaRPr lang="en-US" dirty="0"/>
           </a:p>
@@ -13613,6 +13435,426 @@
 </p:sld>
 </file>
 
+<file path=ppt/slides/slide29.xml><?xml version="1.0" encoding="utf-8"?>
+<p:sld xmlns:a="http://schemas.openxmlformats.org/drawingml/2006/main" xmlns:r="http://schemas.openxmlformats.org/officeDocument/2006/relationships" xmlns:p="http://schemas.openxmlformats.org/presentationml/2006/main">
+  <p:cSld>
+    <p:spTree>
+      <p:nvGrpSpPr>
+        <p:cNvPr id="1" name=""/>
+        <p:cNvGrpSpPr/>
+        <p:nvPr/>
+      </p:nvGrpSpPr>
+      <p:grpSpPr>
+        <a:xfrm>
+          <a:off x="0" y="0"/>
+          <a:ext cx="0" cy="0"/>
+          <a:chOff x="0" y="0"/>
+          <a:chExt cx="0" cy="0"/>
+        </a:xfrm>
+      </p:grpSpPr>
+      <p:sp>
+        <p:nvSpPr>
+          <p:cNvPr id="2" name="Title 1"/>
+          <p:cNvSpPr>
+            <a:spLocks noGrp="1"/>
+          </p:cNvSpPr>
+          <p:nvPr>
+            <p:ph type="ctrTitle"/>
+          </p:nvPr>
+        </p:nvSpPr>
+        <p:spPr>
+          <a:xfrm>
+            <a:off x="609600" y="762000"/>
+            <a:ext cx="7924800" cy="1143000"/>
+          </a:xfrm>
+        </p:spPr>
+        <p:txBody>
+          <a:bodyPr/>
+          <a:lstStyle/>
+          <a:p>
+            <a:r>
+              <a:rPr lang="en-US" sz="4400" dirty="0" smtClean="0"/>
+              <a:t>Load Testing with </a:t>
+            </a:r>
+            <a:r>
+              <a:rPr lang="en-US" sz="4400" dirty="0" err="1" smtClean="0"/>
+              <a:t>SoapUI</a:t>
+            </a:r>
+            <a:endParaRPr lang="en-US" sz="4400" dirty="0"/>
+          </a:p>
+        </p:txBody>
+      </p:sp>
+      <p:sp>
+        <p:nvSpPr>
+          <p:cNvPr id="3" name="Subtitle 2"/>
+          <p:cNvSpPr>
+            <a:spLocks noGrp="1"/>
+          </p:cNvSpPr>
+          <p:nvPr>
+            <p:ph type="subTitle" idx="1"/>
+          </p:nvPr>
+        </p:nvSpPr>
+        <p:spPr>
+          <a:xfrm>
+            <a:off x="609600" y="1752600"/>
+            <a:ext cx="7924800" cy="569120"/>
+          </a:xfrm>
+        </p:spPr>
+        <p:txBody>
+          <a:bodyPr/>
+          <a:lstStyle/>
+          <a:p>
+            <a:r>
+              <a:rPr lang="en-US" dirty="0" smtClean="0"/>
+              <a:t>Demo</a:t>
+            </a:r>
+            <a:endParaRPr lang="en-US" dirty="0"/>
+          </a:p>
+        </p:txBody>
+      </p:sp>
+      <p:sp>
+        <p:nvSpPr>
+          <p:cNvPr id="4" name="Subtitle 2"/>
+          <p:cNvSpPr txBox="1">
+            <a:spLocks/>
+          </p:cNvSpPr>
+          <p:nvPr/>
+        </p:nvSpPr>
+        <p:spPr>
+          <a:xfrm>
+            <a:off x="457200" y="5105400"/>
+            <a:ext cx="8382000" cy="1600200"/>
+          </a:xfrm>
+          <a:prstGeom prst="rect">
+            <a:avLst/>
+          </a:prstGeom>
+        </p:spPr>
+        <p:txBody>
+          <a:bodyPr lIns="0" tIns="0" rIns="0" bIns="0" anchor="ctr" anchorCtr="0"/>
+          <a:lstStyle>
+            <a:lvl1pPr marL="0" indent="0" algn="ctr" rtl="0" eaLnBrk="0" fontAlgn="base" hangingPunct="0">
+              <a:spcBef>
+                <a:spcPct val="20000"/>
+              </a:spcBef>
+              <a:spcAft>
+                <a:spcPct val="0"/>
+              </a:spcAft>
+              <a:buClr>
+                <a:schemeClr val="accent5">
+                  <a:lumMod val="40000"/>
+                  <a:lumOff val="60000"/>
+                </a:schemeClr>
+              </a:buClr>
+              <a:buSzPct val="70000"/>
+              <a:buFont typeface="Wingdings 2" pitchFamily="18" charset="2"/>
+              <a:buNone/>
+              <a:defRPr lang="en-US" sz="2800" b="1" kern="1200" baseline="0" dirty="0">
+                <a:solidFill>
+                  <a:srgbClr val="FAF7C8"/>
+                </a:solidFill>
+                <a:effectLst>
+                  <a:outerShdw blurRad="38100" dist="38100" dir="2700000" algn="tl">
+                    <a:srgbClr val="000000">
+                      <a:alpha val="43137"/>
+                    </a:srgbClr>
+                  </a:outerShdw>
+                </a:effectLst>
+                <a:latin typeface="+mn-lt"/>
+                <a:ea typeface="+mn-ea"/>
+                <a:cs typeface="+mn-cs"/>
+              </a:defRPr>
+            </a:lvl1pPr>
+            <a:lvl2pPr marL="457200" indent="0" algn="ctr" rtl="0" eaLnBrk="0" fontAlgn="base" hangingPunct="0">
+              <a:spcBef>
+                <a:spcPct val="20000"/>
+              </a:spcBef>
+              <a:spcAft>
+                <a:spcPct val="0"/>
+              </a:spcAft>
+              <a:buClr>
+                <a:schemeClr val="accent2">
+                  <a:lumMod val="60000"/>
+                  <a:lumOff val="40000"/>
+                </a:schemeClr>
+              </a:buClr>
+              <a:buFont typeface="Wingdings 2" pitchFamily="18" charset="2"/>
+              <a:buNone/>
+              <a:defRPr sz="3000" b="1" kern="1200">
+                <a:solidFill>
+                  <a:schemeClr val="tx1">
+                    <a:lumMod val="20000"/>
+                    <a:lumOff val="80000"/>
+                  </a:schemeClr>
+                </a:solidFill>
+                <a:effectLst>
+                  <a:outerShdw blurRad="38100" dist="38100" dir="2700000" algn="tl">
+                    <a:srgbClr val="000000">
+                      <a:alpha val="43137"/>
+                    </a:srgbClr>
+                  </a:outerShdw>
+                </a:effectLst>
+                <a:latin typeface="+mn-lt"/>
+                <a:ea typeface="+mn-ea"/>
+                <a:cs typeface="+mn-cs"/>
+              </a:defRPr>
+            </a:lvl2pPr>
+            <a:lvl3pPr marL="914400" indent="0" algn="ctr" rtl="0" eaLnBrk="0" fontAlgn="base" hangingPunct="0">
+              <a:spcBef>
+                <a:spcPct val="20000"/>
+              </a:spcBef>
+              <a:spcAft>
+                <a:spcPct val="0"/>
+              </a:spcAft>
+              <a:buClr>
+                <a:schemeClr val="tx1">
+                  <a:lumMod val="50000"/>
+                </a:schemeClr>
+              </a:buClr>
+              <a:buFont typeface="Wingdings 2" pitchFamily="18" charset="2"/>
+              <a:buNone/>
+              <a:defRPr sz="2800" b="1" kern="1200">
+                <a:solidFill>
+                  <a:schemeClr val="tx1">
+                    <a:lumMod val="20000"/>
+                    <a:lumOff val="80000"/>
+                  </a:schemeClr>
+                </a:solidFill>
+                <a:effectLst>
+                  <a:outerShdw blurRad="38100" dist="38100" dir="2700000" algn="tl">
+                    <a:srgbClr val="000000">
+                      <a:alpha val="43137"/>
+                    </a:srgbClr>
+                  </a:outerShdw>
+                </a:effectLst>
+                <a:latin typeface="+mn-lt"/>
+                <a:ea typeface="+mn-ea"/>
+                <a:cs typeface="+mn-cs"/>
+              </a:defRPr>
+            </a:lvl3pPr>
+            <a:lvl4pPr marL="1371600" indent="0" algn="ctr" rtl="0" eaLnBrk="0" fontAlgn="base" hangingPunct="0">
+              <a:spcBef>
+                <a:spcPct val="20000"/>
+              </a:spcBef>
+              <a:spcAft>
+                <a:spcPct val="0"/>
+              </a:spcAft>
+              <a:buClr>
+                <a:srgbClr val="F8BD52"/>
+              </a:buClr>
+              <a:buFont typeface="Wingdings 2" pitchFamily="18" charset="2"/>
+              <a:buNone/>
+              <a:defRPr sz="2600" b="1" kern="1200">
+                <a:solidFill>
+                  <a:schemeClr val="tx1">
+                    <a:lumMod val="20000"/>
+                    <a:lumOff val="80000"/>
+                  </a:schemeClr>
+                </a:solidFill>
+                <a:effectLst>
+                  <a:outerShdw blurRad="38100" dist="38100" dir="2700000" algn="tl">
+                    <a:srgbClr val="000000">
+                      <a:alpha val="43137"/>
+                    </a:srgbClr>
+                  </a:outerShdw>
+                </a:effectLst>
+                <a:latin typeface="+mn-lt"/>
+                <a:ea typeface="+mn-ea"/>
+                <a:cs typeface="+mn-cs"/>
+              </a:defRPr>
+            </a:lvl4pPr>
+            <a:lvl5pPr marL="1828800" indent="0" algn="ctr" rtl="0" eaLnBrk="0" fontAlgn="base" hangingPunct="0">
+              <a:spcBef>
+                <a:spcPct val="20000"/>
+              </a:spcBef>
+              <a:spcAft>
+                <a:spcPct val="0"/>
+              </a:spcAft>
+              <a:buClr>
+                <a:srgbClr val="46A6BD"/>
+              </a:buClr>
+              <a:buFont typeface="Wingdings 2" pitchFamily="18" charset="2"/>
+              <a:buNone/>
+              <a:defRPr sz="2400" b="1" kern="1200">
+                <a:solidFill>
+                  <a:schemeClr val="tx1">
+                    <a:lumMod val="20000"/>
+                    <a:lumOff val="80000"/>
+                  </a:schemeClr>
+                </a:solidFill>
+                <a:effectLst>
+                  <a:outerShdw blurRad="38100" dist="38100" dir="2700000" algn="tl">
+                    <a:srgbClr val="000000">
+                      <a:alpha val="43137"/>
+                    </a:srgbClr>
+                  </a:outerShdw>
+                </a:effectLst>
+                <a:latin typeface="+mn-lt"/>
+                <a:ea typeface="+mn-ea"/>
+                <a:cs typeface="+mn-cs"/>
+              </a:defRPr>
+            </a:lvl5pPr>
+            <a:lvl6pPr marL="2286000" indent="0" algn="ctr" rtl="0" eaLnBrk="1" latinLnBrk="0" hangingPunct="1">
+              <a:spcBef>
+                <a:spcPct val="20000"/>
+              </a:spcBef>
+              <a:buClr>
+                <a:schemeClr val="accent6"/>
+              </a:buClr>
+              <a:buFont typeface="Wingdings 2"/>
+              <a:buNone/>
+              <a:defRPr sz="1800" kern="1200">
+                <a:solidFill>
+                  <a:schemeClr val="tx1"/>
+                </a:solidFill>
+                <a:latin typeface="+mn-lt"/>
+                <a:ea typeface="+mn-ea"/>
+                <a:cs typeface="+mn-cs"/>
+              </a:defRPr>
+            </a:lvl6pPr>
+            <a:lvl7pPr marL="2743200" indent="0" algn="ctr" rtl="0" eaLnBrk="1" latinLnBrk="0" hangingPunct="1">
+              <a:spcBef>
+                <a:spcPct val="20000"/>
+              </a:spcBef>
+              <a:buClr>
+                <a:schemeClr val="tx2"/>
+              </a:buClr>
+              <a:buFont typeface="Wingdings 2"/>
+              <a:buNone/>
+              <a:defRPr sz="1600" kern="1200">
+                <a:solidFill>
+                  <a:schemeClr val="tx1"/>
+                </a:solidFill>
+                <a:latin typeface="+mn-lt"/>
+                <a:ea typeface="+mn-ea"/>
+                <a:cs typeface="+mn-cs"/>
+              </a:defRPr>
+            </a:lvl7pPr>
+            <a:lvl8pPr marL="3200400" indent="0" algn="ctr" rtl="0" eaLnBrk="1" latinLnBrk="0" hangingPunct="1">
+              <a:spcBef>
+                <a:spcPct val="20000"/>
+              </a:spcBef>
+              <a:buClr>
+                <a:schemeClr val="tx2"/>
+              </a:buClr>
+              <a:buFont typeface="Wingdings 2"/>
+              <a:buNone/>
+              <a:defRPr sz="1400" kern="1200">
+                <a:solidFill>
+                  <a:schemeClr val="tx1"/>
+                </a:solidFill>
+                <a:latin typeface="+mn-lt"/>
+                <a:ea typeface="+mn-ea"/>
+                <a:cs typeface="+mn-cs"/>
+              </a:defRPr>
+            </a:lvl8pPr>
+            <a:lvl9pPr marL="3657600" indent="0" algn="ctr" rtl="0" eaLnBrk="1" latinLnBrk="0" hangingPunct="1">
+              <a:spcBef>
+                <a:spcPct val="20000"/>
+              </a:spcBef>
+              <a:buClr>
+                <a:schemeClr val="tx2"/>
+              </a:buClr>
+              <a:buFont typeface="Wingdings 2"/>
+              <a:buNone/>
+              <a:defRPr sz="1400" kern="1200">
+                <a:solidFill>
+                  <a:schemeClr val="tx1"/>
+                </a:solidFill>
+                <a:latin typeface="+mn-lt"/>
+                <a:ea typeface="+mn-ea"/>
+                <a:cs typeface="+mn-cs"/>
+              </a:defRPr>
+            </a:lvl9pPr>
+          </a:lstStyle>
+          <a:p>
+            <a:pPr>
+              <a:buClr>
+                <a:srgbClr val="46A6BD">
+                  <a:lumMod val="40000"/>
+                  <a:lumOff val="60000"/>
+                </a:srgbClr>
+              </a:buClr>
+            </a:pPr>
+            <a:r>
+              <a:rPr dirty="0" smtClean="0"/>
+              <a:t>For detailed tutorial see:</a:t>
+            </a:r>
+            <a:br>
+              <a:rPr dirty="0" smtClean="0"/>
+            </a:br>
+            <a:r>
+              <a:rPr lang="en-US" dirty="0">
+                <a:hlinkClick r:id="rId2"/>
+              </a:rPr>
+              <a:t>http://www.soapui.org/Getting-Started/load-testing.html</a:t>
+            </a:r>
+            <a:endParaRPr dirty="0"/>
+          </a:p>
+        </p:txBody>
+      </p:sp>
+      <p:pic>
+        <p:nvPicPr>
+          <p:cNvPr id="4098" name="Picture 2" descr="Create new LoadtTest in soapUI"/>
+          <p:cNvPicPr>
+            <a:picLocks noChangeAspect="1" noChangeArrowheads="1"/>
+          </p:cNvPicPr>
+          <p:nvPr/>
+        </p:nvPicPr>
+        <p:blipFill>
+          <a:blip r:embed="rId3">
+            <a:extLst>
+              <a:ext uri="{28A0092B-C50C-407E-A947-70E740481C1C}">
+                <a14:useLocalDpi xmlns:a14="http://schemas.microsoft.com/office/drawing/2010/main" val="0"/>
+              </a:ext>
+            </a:extLst>
+          </a:blip>
+          <a:srcRect/>
+          <a:stretch>
+            <a:fillRect/>
+          </a:stretch>
+        </p:blipFill>
+        <p:spPr bwMode="auto">
+          <a:xfrm>
+            <a:off x="2476500" y="2819400"/>
+            <a:ext cx="4362450" cy="2019301"/>
+          </a:xfrm>
+          <a:prstGeom prst="roundRect">
+            <a:avLst>
+              <a:gd name="adj" fmla="val 7469"/>
+            </a:avLst>
+          </a:prstGeom>
+          <a:noFill/>
+          <a:effectLst>
+            <a:glow rad="101600">
+              <a:schemeClr val="tx1">
+                <a:alpha val="60000"/>
+              </a:schemeClr>
+            </a:glow>
+          </a:effectLst>
+          <a:extLst>
+            <a:ext uri="{909E8E84-426E-40DD-AFC4-6F175D3DCCD1}">
+              <a14:hiddenFill xmlns:a14="http://schemas.microsoft.com/office/drawing/2010/main">
+                <a:solidFill>
+                  <a:srgbClr val="FFFFFF"/>
+                </a:solidFill>
+              </a14:hiddenFill>
+            </a:ext>
+          </a:extLst>
+        </p:spPr>
+      </p:pic>
+    </p:spTree>
+    <p:extLst>
+      <p:ext uri="{BB962C8B-B14F-4D97-AF65-F5344CB8AC3E}">
+        <p14:creationId xmlns:p14="http://schemas.microsoft.com/office/powerpoint/2010/main" val="4630187"/>
+      </p:ext>
+    </p:extLst>
+  </p:cSld>
+  <p:clrMapOvr>
+    <a:masterClrMapping/>
+  </p:clrMapOvr>
+</p:sld>
+</file>
+
 <file path=ppt/slides/slide3.xml><?xml version="1.0" encoding="utf-8"?>
 <p:sld xmlns:a="http://schemas.openxmlformats.org/drawingml/2006/main" xmlns:r="http://schemas.openxmlformats.org/officeDocument/2006/relationships" xmlns:p="http://schemas.openxmlformats.org/presentationml/2006/main">
   <p:cSld>
@@ -13874,426 +14116,6 @@
         </p:nvSpPr>
         <p:spPr>
           <a:xfrm>
-            <a:off x="609600" y="762000"/>
-            <a:ext cx="7924800" cy="1143000"/>
-          </a:xfrm>
-        </p:spPr>
-        <p:txBody>
-          <a:bodyPr/>
-          <a:lstStyle/>
-          <a:p>
-            <a:r>
-              <a:rPr lang="en-US" sz="4400" dirty="0" smtClean="0"/>
-              <a:t>Load Testing with </a:t>
-            </a:r>
-            <a:r>
-              <a:rPr lang="en-US" sz="4400" dirty="0" err="1" smtClean="0"/>
-              <a:t>SoapUI</a:t>
-            </a:r>
-            <a:endParaRPr lang="en-US" sz="4400" dirty="0"/>
-          </a:p>
-        </p:txBody>
-      </p:sp>
-      <p:sp>
-        <p:nvSpPr>
-          <p:cNvPr id="3" name="Subtitle 2"/>
-          <p:cNvSpPr>
-            <a:spLocks noGrp="1"/>
-          </p:cNvSpPr>
-          <p:nvPr>
-            <p:ph type="subTitle" idx="1"/>
-          </p:nvPr>
-        </p:nvSpPr>
-        <p:spPr>
-          <a:xfrm>
-            <a:off x="609600" y="1752600"/>
-            <a:ext cx="7924800" cy="569120"/>
-          </a:xfrm>
-        </p:spPr>
-        <p:txBody>
-          <a:bodyPr/>
-          <a:lstStyle/>
-          <a:p>
-            <a:r>
-              <a:rPr lang="en-US" dirty="0" smtClean="0"/>
-              <a:t>Demo</a:t>
-            </a:r>
-            <a:endParaRPr lang="en-US" dirty="0"/>
-          </a:p>
-        </p:txBody>
-      </p:sp>
-      <p:sp>
-        <p:nvSpPr>
-          <p:cNvPr id="4" name="Subtitle 2"/>
-          <p:cNvSpPr txBox="1">
-            <a:spLocks/>
-          </p:cNvSpPr>
-          <p:nvPr/>
-        </p:nvSpPr>
-        <p:spPr>
-          <a:xfrm>
-            <a:off x="457200" y="5105400"/>
-            <a:ext cx="8382000" cy="1600200"/>
-          </a:xfrm>
-          <a:prstGeom prst="rect">
-            <a:avLst/>
-          </a:prstGeom>
-        </p:spPr>
-        <p:txBody>
-          <a:bodyPr lIns="0" tIns="0" rIns="0" bIns="0" anchor="ctr" anchorCtr="0"/>
-          <a:lstStyle>
-            <a:lvl1pPr marL="0" indent="0" algn="ctr" rtl="0" eaLnBrk="0" fontAlgn="base" hangingPunct="0">
-              <a:spcBef>
-                <a:spcPct val="20000"/>
-              </a:spcBef>
-              <a:spcAft>
-                <a:spcPct val="0"/>
-              </a:spcAft>
-              <a:buClr>
-                <a:schemeClr val="accent5">
-                  <a:lumMod val="40000"/>
-                  <a:lumOff val="60000"/>
-                </a:schemeClr>
-              </a:buClr>
-              <a:buSzPct val="70000"/>
-              <a:buFont typeface="Wingdings 2" pitchFamily="18" charset="2"/>
-              <a:buNone/>
-              <a:defRPr lang="en-US" sz="2800" b="1" kern="1200" baseline="0" dirty="0">
-                <a:solidFill>
-                  <a:srgbClr val="FAF7C8"/>
-                </a:solidFill>
-                <a:effectLst>
-                  <a:outerShdw blurRad="38100" dist="38100" dir="2700000" algn="tl">
-                    <a:srgbClr val="000000">
-                      <a:alpha val="43137"/>
-                    </a:srgbClr>
-                  </a:outerShdw>
-                </a:effectLst>
-                <a:latin typeface="+mn-lt"/>
-                <a:ea typeface="+mn-ea"/>
-                <a:cs typeface="+mn-cs"/>
-              </a:defRPr>
-            </a:lvl1pPr>
-            <a:lvl2pPr marL="457200" indent="0" algn="ctr" rtl="0" eaLnBrk="0" fontAlgn="base" hangingPunct="0">
-              <a:spcBef>
-                <a:spcPct val="20000"/>
-              </a:spcBef>
-              <a:spcAft>
-                <a:spcPct val="0"/>
-              </a:spcAft>
-              <a:buClr>
-                <a:schemeClr val="accent2">
-                  <a:lumMod val="60000"/>
-                  <a:lumOff val="40000"/>
-                </a:schemeClr>
-              </a:buClr>
-              <a:buFont typeface="Wingdings 2" pitchFamily="18" charset="2"/>
-              <a:buNone/>
-              <a:defRPr sz="3000" b="1" kern="1200">
-                <a:solidFill>
-                  <a:schemeClr val="tx1">
-                    <a:lumMod val="20000"/>
-                    <a:lumOff val="80000"/>
-                  </a:schemeClr>
-                </a:solidFill>
-                <a:effectLst>
-                  <a:outerShdw blurRad="38100" dist="38100" dir="2700000" algn="tl">
-                    <a:srgbClr val="000000">
-                      <a:alpha val="43137"/>
-                    </a:srgbClr>
-                  </a:outerShdw>
-                </a:effectLst>
-                <a:latin typeface="+mn-lt"/>
-                <a:ea typeface="+mn-ea"/>
-                <a:cs typeface="+mn-cs"/>
-              </a:defRPr>
-            </a:lvl2pPr>
-            <a:lvl3pPr marL="914400" indent="0" algn="ctr" rtl="0" eaLnBrk="0" fontAlgn="base" hangingPunct="0">
-              <a:spcBef>
-                <a:spcPct val="20000"/>
-              </a:spcBef>
-              <a:spcAft>
-                <a:spcPct val="0"/>
-              </a:spcAft>
-              <a:buClr>
-                <a:schemeClr val="tx1">
-                  <a:lumMod val="50000"/>
-                </a:schemeClr>
-              </a:buClr>
-              <a:buFont typeface="Wingdings 2" pitchFamily="18" charset="2"/>
-              <a:buNone/>
-              <a:defRPr sz="2800" b="1" kern="1200">
-                <a:solidFill>
-                  <a:schemeClr val="tx1">
-                    <a:lumMod val="20000"/>
-                    <a:lumOff val="80000"/>
-                  </a:schemeClr>
-                </a:solidFill>
-                <a:effectLst>
-                  <a:outerShdw blurRad="38100" dist="38100" dir="2700000" algn="tl">
-                    <a:srgbClr val="000000">
-                      <a:alpha val="43137"/>
-                    </a:srgbClr>
-                  </a:outerShdw>
-                </a:effectLst>
-                <a:latin typeface="+mn-lt"/>
-                <a:ea typeface="+mn-ea"/>
-                <a:cs typeface="+mn-cs"/>
-              </a:defRPr>
-            </a:lvl3pPr>
-            <a:lvl4pPr marL="1371600" indent="0" algn="ctr" rtl="0" eaLnBrk="0" fontAlgn="base" hangingPunct="0">
-              <a:spcBef>
-                <a:spcPct val="20000"/>
-              </a:spcBef>
-              <a:spcAft>
-                <a:spcPct val="0"/>
-              </a:spcAft>
-              <a:buClr>
-                <a:srgbClr val="F8BD52"/>
-              </a:buClr>
-              <a:buFont typeface="Wingdings 2" pitchFamily="18" charset="2"/>
-              <a:buNone/>
-              <a:defRPr sz="2600" b="1" kern="1200">
-                <a:solidFill>
-                  <a:schemeClr val="tx1">
-                    <a:lumMod val="20000"/>
-                    <a:lumOff val="80000"/>
-                  </a:schemeClr>
-                </a:solidFill>
-                <a:effectLst>
-                  <a:outerShdw blurRad="38100" dist="38100" dir="2700000" algn="tl">
-                    <a:srgbClr val="000000">
-                      <a:alpha val="43137"/>
-                    </a:srgbClr>
-                  </a:outerShdw>
-                </a:effectLst>
-                <a:latin typeface="+mn-lt"/>
-                <a:ea typeface="+mn-ea"/>
-                <a:cs typeface="+mn-cs"/>
-              </a:defRPr>
-            </a:lvl4pPr>
-            <a:lvl5pPr marL="1828800" indent="0" algn="ctr" rtl="0" eaLnBrk="0" fontAlgn="base" hangingPunct="0">
-              <a:spcBef>
-                <a:spcPct val="20000"/>
-              </a:spcBef>
-              <a:spcAft>
-                <a:spcPct val="0"/>
-              </a:spcAft>
-              <a:buClr>
-                <a:srgbClr val="46A6BD"/>
-              </a:buClr>
-              <a:buFont typeface="Wingdings 2" pitchFamily="18" charset="2"/>
-              <a:buNone/>
-              <a:defRPr sz="2400" b="1" kern="1200">
-                <a:solidFill>
-                  <a:schemeClr val="tx1">
-                    <a:lumMod val="20000"/>
-                    <a:lumOff val="80000"/>
-                  </a:schemeClr>
-                </a:solidFill>
-                <a:effectLst>
-                  <a:outerShdw blurRad="38100" dist="38100" dir="2700000" algn="tl">
-                    <a:srgbClr val="000000">
-                      <a:alpha val="43137"/>
-                    </a:srgbClr>
-                  </a:outerShdw>
-                </a:effectLst>
-                <a:latin typeface="+mn-lt"/>
-                <a:ea typeface="+mn-ea"/>
-                <a:cs typeface="+mn-cs"/>
-              </a:defRPr>
-            </a:lvl5pPr>
-            <a:lvl6pPr marL="2286000" indent="0" algn="ctr" rtl="0" eaLnBrk="1" latinLnBrk="0" hangingPunct="1">
-              <a:spcBef>
-                <a:spcPct val="20000"/>
-              </a:spcBef>
-              <a:buClr>
-                <a:schemeClr val="accent6"/>
-              </a:buClr>
-              <a:buFont typeface="Wingdings 2"/>
-              <a:buNone/>
-              <a:defRPr sz="1800" kern="1200">
-                <a:solidFill>
-                  <a:schemeClr val="tx1"/>
-                </a:solidFill>
-                <a:latin typeface="+mn-lt"/>
-                <a:ea typeface="+mn-ea"/>
-                <a:cs typeface="+mn-cs"/>
-              </a:defRPr>
-            </a:lvl6pPr>
-            <a:lvl7pPr marL="2743200" indent="0" algn="ctr" rtl="0" eaLnBrk="1" latinLnBrk="0" hangingPunct="1">
-              <a:spcBef>
-                <a:spcPct val="20000"/>
-              </a:spcBef>
-              <a:buClr>
-                <a:schemeClr val="tx2"/>
-              </a:buClr>
-              <a:buFont typeface="Wingdings 2"/>
-              <a:buNone/>
-              <a:defRPr sz="1600" kern="1200">
-                <a:solidFill>
-                  <a:schemeClr val="tx1"/>
-                </a:solidFill>
-                <a:latin typeface="+mn-lt"/>
-                <a:ea typeface="+mn-ea"/>
-                <a:cs typeface="+mn-cs"/>
-              </a:defRPr>
-            </a:lvl7pPr>
-            <a:lvl8pPr marL="3200400" indent="0" algn="ctr" rtl="0" eaLnBrk="1" latinLnBrk="0" hangingPunct="1">
-              <a:spcBef>
-                <a:spcPct val="20000"/>
-              </a:spcBef>
-              <a:buClr>
-                <a:schemeClr val="tx2"/>
-              </a:buClr>
-              <a:buFont typeface="Wingdings 2"/>
-              <a:buNone/>
-              <a:defRPr sz="1400" kern="1200">
-                <a:solidFill>
-                  <a:schemeClr val="tx1"/>
-                </a:solidFill>
-                <a:latin typeface="+mn-lt"/>
-                <a:ea typeface="+mn-ea"/>
-                <a:cs typeface="+mn-cs"/>
-              </a:defRPr>
-            </a:lvl8pPr>
-            <a:lvl9pPr marL="3657600" indent="0" algn="ctr" rtl="0" eaLnBrk="1" latinLnBrk="0" hangingPunct="1">
-              <a:spcBef>
-                <a:spcPct val="20000"/>
-              </a:spcBef>
-              <a:buClr>
-                <a:schemeClr val="tx2"/>
-              </a:buClr>
-              <a:buFont typeface="Wingdings 2"/>
-              <a:buNone/>
-              <a:defRPr sz="1400" kern="1200">
-                <a:solidFill>
-                  <a:schemeClr val="tx1"/>
-                </a:solidFill>
-                <a:latin typeface="+mn-lt"/>
-                <a:ea typeface="+mn-ea"/>
-                <a:cs typeface="+mn-cs"/>
-              </a:defRPr>
-            </a:lvl9pPr>
-          </a:lstStyle>
-          <a:p>
-            <a:pPr>
-              <a:buClr>
-                <a:srgbClr val="46A6BD">
-                  <a:lumMod val="40000"/>
-                  <a:lumOff val="60000"/>
-                </a:srgbClr>
-              </a:buClr>
-            </a:pPr>
-            <a:r>
-              <a:rPr dirty="0" smtClean="0"/>
-              <a:t>For detailed tutorial see:</a:t>
-            </a:r>
-            <a:br>
-              <a:rPr dirty="0" smtClean="0"/>
-            </a:br>
-            <a:r>
-              <a:rPr lang="en-US" dirty="0">
-                <a:hlinkClick r:id="rId2"/>
-              </a:rPr>
-              <a:t>http://www.soapui.org/Getting-Started/load-testing.html</a:t>
-            </a:r>
-            <a:endParaRPr dirty="0"/>
-          </a:p>
-        </p:txBody>
-      </p:sp>
-      <p:pic>
-        <p:nvPicPr>
-          <p:cNvPr id="4098" name="Picture 2" descr="Create new LoadtTest in soapUI"/>
-          <p:cNvPicPr>
-            <a:picLocks noChangeAspect="1" noChangeArrowheads="1"/>
-          </p:cNvPicPr>
-          <p:nvPr/>
-        </p:nvPicPr>
-        <p:blipFill>
-          <a:blip r:embed="rId3">
-            <a:extLst>
-              <a:ext uri="{28A0092B-C50C-407E-A947-70E740481C1C}">
-                <a14:useLocalDpi xmlns:a14="http://schemas.microsoft.com/office/drawing/2010/main" val="0"/>
-              </a:ext>
-            </a:extLst>
-          </a:blip>
-          <a:srcRect/>
-          <a:stretch>
-            <a:fillRect/>
-          </a:stretch>
-        </p:blipFill>
-        <p:spPr bwMode="auto">
-          <a:xfrm>
-            <a:off x="2476500" y="2819400"/>
-            <a:ext cx="4362450" cy="2019301"/>
-          </a:xfrm>
-          <a:prstGeom prst="roundRect">
-            <a:avLst>
-              <a:gd name="adj" fmla="val 7469"/>
-            </a:avLst>
-          </a:prstGeom>
-          <a:noFill/>
-          <a:effectLst>
-            <a:glow rad="101600">
-              <a:schemeClr val="tx1">
-                <a:alpha val="60000"/>
-              </a:schemeClr>
-            </a:glow>
-          </a:effectLst>
-          <a:extLst>
-            <a:ext uri="{909E8E84-426E-40DD-AFC4-6F175D3DCCD1}">
-              <a14:hiddenFill xmlns:a14="http://schemas.microsoft.com/office/drawing/2010/main">
-                <a:solidFill>
-                  <a:srgbClr val="FFFFFF"/>
-                </a:solidFill>
-              </a14:hiddenFill>
-            </a:ext>
-          </a:extLst>
-        </p:spPr>
-      </p:pic>
-    </p:spTree>
-    <p:extLst>
-      <p:ext uri="{BB962C8B-B14F-4D97-AF65-F5344CB8AC3E}">
-        <p14:creationId xmlns:p14="http://schemas.microsoft.com/office/powerpoint/2010/main" val="4630187"/>
-      </p:ext>
-    </p:extLst>
-  </p:cSld>
-  <p:clrMapOvr>
-    <a:masterClrMapping/>
-  </p:clrMapOvr>
-</p:sld>
-</file>
-
-<file path=ppt/slides/slide31.xml><?xml version="1.0" encoding="utf-8"?>
-<p:sld xmlns:a="http://schemas.openxmlformats.org/drawingml/2006/main" xmlns:r="http://schemas.openxmlformats.org/officeDocument/2006/relationships" xmlns:p="http://schemas.openxmlformats.org/presentationml/2006/main">
-  <p:cSld>
-    <p:spTree>
-      <p:nvGrpSpPr>
-        <p:cNvPr id="1" name=""/>
-        <p:cNvGrpSpPr/>
-        <p:nvPr/>
-      </p:nvGrpSpPr>
-      <p:grpSpPr>
-        <a:xfrm>
-          <a:off x="0" y="0"/>
-          <a:ext cx="0" cy="0"/>
-          <a:chOff x="0" y="0"/>
-          <a:chExt cx="0" cy="0"/>
-        </a:xfrm>
-      </p:grpSpPr>
-      <p:sp>
-        <p:nvSpPr>
-          <p:cNvPr id="2" name="Title 1"/>
-          <p:cNvSpPr>
-            <a:spLocks noGrp="1"/>
-          </p:cNvSpPr>
-          <p:nvPr>
-            <p:ph type="ctrTitle"/>
-          </p:nvPr>
-        </p:nvSpPr>
-        <p:spPr>
-          <a:xfrm>
             <a:off x="609600" y="1219200"/>
             <a:ext cx="7924800" cy="1447801"/>
           </a:xfrm>
@@ -14378,7 +14200,7 @@
 </p:sld>
 </file>
 
-<file path=ppt/slides/slide32.xml><?xml version="1.0" encoding="utf-8"?>
+<file path=ppt/slides/slide31.xml><?xml version="1.0" encoding="utf-8"?>
 <p:sld xmlns:a="http://schemas.openxmlformats.org/drawingml/2006/main" xmlns:r="http://schemas.openxmlformats.org/officeDocument/2006/relationships" xmlns:p="http://schemas.openxmlformats.org/presentationml/2006/main">
   <p:cSld>
     <p:spTree>
@@ -14551,7 +14373,7 @@
               <a:pPr>
                 <a:defRPr/>
               </a:pPr>
-              <a:t>32</a:t>
+              <a:t>31</a:t>
             </a:fld>
             <a:endParaRPr lang="en-US" dirty="0"/>
           </a:p>
@@ -14570,7 +14392,7 @@
 </p:sld>
 </file>
 
-<file path=ppt/slides/slide33.xml><?xml version="1.0" encoding="utf-8"?>
+<file path=ppt/slides/slide32.xml><?xml version="1.0" encoding="utf-8"?>
 <p:sld xmlns:a="http://schemas.openxmlformats.org/drawingml/2006/main" xmlns:r="http://schemas.openxmlformats.org/officeDocument/2006/relationships" xmlns:p="http://schemas.openxmlformats.org/presentationml/2006/main">
   <p:cSld>
     <p:spTree>
@@ -14724,7 +14546,7 @@
 </p:sld>
 </file>
 
-<file path=ppt/slides/slide34.xml><?xml version="1.0" encoding="utf-8"?>
+<file path=ppt/slides/slide33.xml><?xml version="1.0" encoding="utf-8"?>
 <p:sld xmlns:a="http://schemas.openxmlformats.org/drawingml/2006/main" xmlns:r="http://schemas.openxmlformats.org/officeDocument/2006/relationships" xmlns:p="http://schemas.openxmlformats.org/presentationml/2006/main">
   <p:cSld>
     <p:spTree>
@@ -15509,7 +15331,7 @@
 </p:sld>
 </file>
 
-<file path=ppt/slides/slide35.xml><?xml version="1.0" encoding="utf-8"?>
+<file path=ppt/slides/slide34.xml><?xml version="1.0" encoding="utf-8"?>
 <p:sld xmlns:a="http://schemas.openxmlformats.org/drawingml/2006/main" xmlns:r="http://schemas.openxmlformats.org/officeDocument/2006/relationships" xmlns:p="http://schemas.openxmlformats.org/presentationml/2006/main">
   <p:cSld>
     <p:spTree>
